--- a/morita/開発演習/新規 Microsoft PowerPoint プレゼンテーション.pptx
+++ b/morita/開発演習/新規 Microsoft PowerPoint プレゼンテーション.pptx
@@ -4,6 +4,9 @@
   <p:sldMasterIdLst>
     <p:sldMasterId id="2147483648" r:id="rId1"/>
   </p:sldMasterIdLst>
+  <p:notesMasterIdLst>
+    <p:notesMasterId r:id="rId4"/>
+  </p:notesMasterIdLst>
   <p:sldIdLst>
     <p:sldId id="256" r:id="rId2"/>
     <p:sldId id="258" r:id="rId3"/>
@@ -105,7 +108,477 @@
       </a:defRPr>
     </a:lvl9pPr>
   </p:defaultTextStyle>
+  <p:extLst>
+    <p:ext uri="{EFAFB233-063F-42B5-8137-9DF3F51BA10A}">
+      <p15:sldGuideLst xmlns:p15="http://schemas.microsoft.com/office/powerpoint/2012/main"/>
+    </p:ext>
+  </p:extLst>
 </p:presentation>
+</file>
+
+<file path=ppt/notesMasters/notesMaster1.xml><?xml version="1.0" encoding="utf-8"?>
+<p:notesMaster xmlns:a="http://schemas.openxmlformats.org/drawingml/2006/main" xmlns:r="http://schemas.openxmlformats.org/officeDocument/2006/relationships" xmlns:p="http://schemas.openxmlformats.org/presentationml/2006/main">
+  <p:cSld>
+    <p:bg>
+      <p:bgRef idx="1001">
+        <a:schemeClr val="bg1"/>
+      </p:bgRef>
+    </p:bg>
+    <p:spTree>
+      <p:nvGrpSpPr>
+        <p:cNvPr id="1" name=""/>
+        <p:cNvGrpSpPr/>
+        <p:nvPr/>
+      </p:nvGrpSpPr>
+      <p:grpSpPr>
+        <a:xfrm>
+          <a:off x="0" y="0"/>
+          <a:ext cx="0" cy="0"/>
+          <a:chOff x="0" y="0"/>
+          <a:chExt cx="0" cy="0"/>
+        </a:xfrm>
+      </p:grpSpPr>
+      <p:sp>
+        <p:nvSpPr>
+          <p:cNvPr id="2" name="ヘッダー プレースホルダー 1"/>
+          <p:cNvSpPr>
+            <a:spLocks noGrp="1"/>
+          </p:cNvSpPr>
+          <p:nvPr>
+            <p:ph type="hdr" sz="quarter"/>
+          </p:nvPr>
+        </p:nvSpPr>
+        <p:spPr>
+          <a:xfrm>
+            <a:off x="0" y="0"/>
+            <a:ext cx="2971800" cy="458788"/>
+          </a:xfrm>
+          <a:prstGeom prst="rect">
+            <a:avLst/>
+          </a:prstGeom>
+        </p:spPr>
+        <p:txBody>
+          <a:bodyPr vert="horz" lIns="91440" tIns="45720" rIns="91440" bIns="45720" rtlCol="0"/>
+          <a:lstStyle>
+            <a:lvl1pPr algn="l">
+              <a:defRPr sz="1200"/>
+            </a:lvl1pPr>
+          </a:lstStyle>
+          <a:p>
+            <a:endParaRPr kumimoji="1" lang="ja-JP" altLang="en-US"/>
+          </a:p>
+        </p:txBody>
+      </p:sp>
+      <p:sp>
+        <p:nvSpPr>
+          <p:cNvPr id="3" name="日付プレースホルダー 2"/>
+          <p:cNvSpPr>
+            <a:spLocks noGrp="1"/>
+          </p:cNvSpPr>
+          <p:nvPr>
+            <p:ph type="dt" idx="1"/>
+          </p:nvPr>
+        </p:nvSpPr>
+        <p:spPr>
+          <a:xfrm>
+            <a:off x="3884613" y="0"/>
+            <a:ext cx="2971800" cy="458788"/>
+          </a:xfrm>
+          <a:prstGeom prst="rect">
+            <a:avLst/>
+          </a:prstGeom>
+        </p:spPr>
+        <p:txBody>
+          <a:bodyPr vert="horz" lIns="91440" tIns="45720" rIns="91440" bIns="45720" rtlCol="0"/>
+          <a:lstStyle>
+            <a:lvl1pPr algn="r">
+              <a:defRPr sz="1200"/>
+            </a:lvl1pPr>
+          </a:lstStyle>
+          <a:p>
+            <a:fld id="{106A438D-0366-4642-8857-87652C74246D}" type="datetimeFigureOut">
+              <a:rPr kumimoji="1" lang="ja-JP" altLang="en-US" smtClean="0"/>
+              <a:t>2018/8/29</a:t>
+            </a:fld>
+            <a:endParaRPr kumimoji="1" lang="ja-JP" altLang="en-US"/>
+          </a:p>
+        </p:txBody>
+      </p:sp>
+      <p:sp>
+        <p:nvSpPr>
+          <p:cNvPr id="4" name="スライド イメージ プレースホルダー 3"/>
+          <p:cNvSpPr>
+            <a:spLocks noGrp="1" noRot="1" noChangeAspect="1"/>
+          </p:cNvSpPr>
+          <p:nvPr>
+            <p:ph type="sldImg" idx="2"/>
+          </p:nvPr>
+        </p:nvSpPr>
+        <p:spPr>
+          <a:xfrm>
+            <a:off x="685800" y="1143000"/>
+            <a:ext cx="5486400" cy="3086100"/>
+          </a:xfrm>
+          <a:prstGeom prst="rect">
+            <a:avLst/>
+          </a:prstGeom>
+          <a:noFill/>
+          <a:ln w="12700">
+            <a:solidFill>
+              <a:prstClr val="black"/>
+            </a:solidFill>
+          </a:ln>
+        </p:spPr>
+        <p:txBody>
+          <a:bodyPr vert="horz" lIns="91440" tIns="45720" rIns="91440" bIns="45720" rtlCol="0" anchor="ctr"/>
+          <a:lstStyle/>
+          <a:p>
+            <a:endParaRPr lang="ja-JP" altLang="en-US"/>
+          </a:p>
+        </p:txBody>
+      </p:sp>
+      <p:sp>
+        <p:nvSpPr>
+          <p:cNvPr id="5" name="ノート プレースホルダー 4"/>
+          <p:cNvSpPr>
+            <a:spLocks noGrp="1"/>
+          </p:cNvSpPr>
+          <p:nvPr>
+            <p:ph type="body" sz="quarter" idx="3"/>
+          </p:nvPr>
+        </p:nvSpPr>
+        <p:spPr>
+          <a:xfrm>
+            <a:off x="685800" y="4400550"/>
+            <a:ext cx="5486400" cy="3600450"/>
+          </a:xfrm>
+          <a:prstGeom prst="rect">
+            <a:avLst/>
+          </a:prstGeom>
+        </p:spPr>
+        <p:txBody>
+          <a:bodyPr vert="horz" lIns="91440" tIns="45720" rIns="91440" bIns="45720" rtlCol="0"/>
+          <a:lstStyle/>
+          <a:p>
+            <a:pPr lvl="0"/>
+            <a:r>
+              <a:rPr kumimoji="1" lang="ja-JP" altLang="en-US"/>
+              <a:t>マスター テキストの書式設定</a:t>
+            </a:r>
+          </a:p>
+          <a:p>
+            <a:pPr lvl="1"/>
+            <a:r>
+              <a:rPr kumimoji="1" lang="ja-JP" altLang="en-US"/>
+              <a:t>第 </a:t>
+            </a:r>
+            <a:r>
+              <a:rPr kumimoji="1" lang="en-US" altLang="ja-JP"/>
+              <a:t>2 </a:t>
+            </a:r>
+            <a:r>
+              <a:rPr kumimoji="1" lang="ja-JP" altLang="en-US"/>
+              <a:t>レベル</a:t>
+            </a:r>
+          </a:p>
+          <a:p>
+            <a:pPr lvl="2"/>
+            <a:r>
+              <a:rPr kumimoji="1" lang="ja-JP" altLang="en-US"/>
+              <a:t>第 </a:t>
+            </a:r>
+            <a:r>
+              <a:rPr kumimoji="1" lang="en-US" altLang="ja-JP"/>
+              <a:t>3 </a:t>
+            </a:r>
+            <a:r>
+              <a:rPr kumimoji="1" lang="ja-JP" altLang="en-US"/>
+              <a:t>レベル</a:t>
+            </a:r>
+          </a:p>
+          <a:p>
+            <a:pPr lvl="3"/>
+            <a:r>
+              <a:rPr kumimoji="1" lang="ja-JP" altLang="en-US"/>
+              <a:t>第 </a:t>
+            </a:r>
+            <a:r>
+              <a:rPr kumimoji="1" lang="en-US" altLang="ja-JP"/>
+              <a:t>4 </a:t>
+            </a:r>
+            <a:r>
+              <a:rPr kumimoji="1" lang="ja-JP" altLang="en-US"/>
+              <a:t>レベル</a:t>
+            </a:r>
+          </a:p>
+          <a:p>
+            <a:pPr lvl="4"/>
+            <a:r>
+              <a:rPr kumimoji="1" lang="ja-JP" altLang="en-US"/>
+              <a:t>第 </a:t>
+            </a:r>
+            <a:r>
+              <a:rPr kumimoji="1" lang="en-US" altLang="ja-JP"/>
+              <a:t>5 </a:t>
+            </a:r>
+            <a:r>
+              <a:rPr kumimoji="1" lang="ja-JP" altLang="en-US"/>
+              <a:t>レベル</a:t>
+            </a:r>
+          </a:p>
+        </p:txBody>
+      </p:sp>
+      <p:sp>
+        <p:nvSpPr>
+          <p:cNvPr id="6" name="フッター プレースホルダー 5"/>
+          <p:cNvSpPr>
+            <a:spLocks noGrp="1"/>
+          </p:cNvSpPr>
+          <p:nvPr>
+            <p:ph type="ftr" sz="quarter" idx="4"/>
+          </p:nvPr>
+        </p:nvSpPr>
+        <p:spPr>
+          <a:xfrm>
+            <a:off x="0" y="8685213"/>
+            <a:ext cx="2971800" cy="458787"/>
+          </a:xfrm>
+          <a:prstGeom prst="rect">
+            <a:avLst/>
+          </a:prstGeom>
+        </p:spPr>
+        <p:txBody>
+          <a:bodyPr vert="horz" lIns="91440" tIns="45720" rIns="91440" bIns="45720" rtlCol="0" anchor="b"/>
+          <a:lstStyle>
+            <a:lvl1pPr algn="l">
+              <a:defRPr sz="1200"/>
+            </a:lvl1pPr>
+          </a:lstStyle>
+          <a:p>
+            <a:endParaRPr kumimoji="1" lang="ja-JP" altLang="en-US"/>
+          </a:p>
+        </p:txBody>
+      </p:sp>
+      <p:sp>
+        <p:nvSpPr>
+          <p:cNvPr id="7" name="スライド番号プレースホルダー 6"/>
+          <p:cNvSpPr>
+            <a:spLocks noGrp="1"/>
+          </p:cNvSpPr>
+          <p:nvPr>
+            <p:ph type="sldNum" sz="quarter" idx="5"/>
+          </p:nvPr>
+        </p:nvSpPr>
+        <p:spPr>
+          <a:xfrm>
+            <a:off x="3884613" y="8685213"/>
+            <a:ext cx="2971800" cy="458787"/>
+          </a:xfrm>
+          <a:prstGeom prst="rect">
+            <a:avLst/>
+          </a:prstGeom>
+        </p:spPr>
+        <p:txBody>
+          <a:bodyPr vert="horz" lIns="91440" tIns="45720" rIns="91440" bIns="45720" rtlCol="0" anchor="b"/>
+          <a:lstStyle>
+            <a:lvl1pPr algn="r">
+              <a:defRPr sz="1200"/>
+            </a:lvl1pPr>
+          </a:lstStyle>
+          <a:p>
+            <a:fld id="{1E786E9A-FF2C-4593-92F8-A57A44F06E37}" type="slidenum">
+              <a:rPr kumimoji="1" lang="ja-JP" altLang="en-US" smtClean="0"/>
+              <a:t>‹#›</a:t>
+            </a:fld>
+            <a:endParaRPr kumimoji="1" lang="ja-JP" altLang="en-US"/>
+          </a:p>
+        </p:txBody>
+      </p:sp>
+    </p:spTree>
+    <p:extLst>
+      <p:ext uri="{BB962C8B-B14F-4D97-AF65-F5344CB8AC3E}">
+        <p14:creationId xmlns:p14="http://schemas.microsoft.com/office/powerpoint/2010/main" val="2577877663"/>
+      </p:ext>
+    </p:extLst>
+  </p:cSld>
+  <p:clrMap bg1="lt1" tx1="dk1" bg2="lt2" tx2="dk2" accent1="accent1" accent2="accent2" accent3="accent3" accent4="accent4" accent5="accent5" accent6="accent6" hlink="hlink" folHlink="folHlink"/>
+  <p:notesStyle>
+    <a:lvl1pPr marL="0" algn="l" defTabSz="914400" rtl="0" eaLnBrk="1" latinLnBrk="0" hangingPunct="1">
+      <a:defRPr kumimoji="1" sz="1200" kern="1200">
+        <a:solidFill>
+          <a:schemeClr val="tx1"/>
+        </a:solidFill>
+        <a:latin typeface="+mn-lt"/>
+        <a:ea typeface="+mn-ea"/>
+        <a:cs typeface="+mn-cs"/>
+      </a:defRPr>
+    </a:lvl1pPr>
+    <a:lvl2pPr marL="457200" algn="l" defTabSz="914400" rtl="0" eaLnBrk="1" latinLnBrk="0" hangingPunct="1">
+      <a:defRPr kumimoji="1" sz="1200" kern="1200">
+        <a:solidFill>
+          <a:schemeClr val="tx1"/>
+        </a:solidFill>
+        <a:latin typeface="+mn-lt"/>
+        <a:ea typeface="+mn-ea"/>
+        <a:cs typeface="+mn-cs"/>
+      </a:defRPr>
+    </a:lvl2pPr>
+    <a:lvl3pPr marL="914400" algn="l" defTabSz="914400" rtl="0" eaLnBrk="1" latinLnBrk="0" hangingPunct="1">
+      <a:defRPr kumimoji="1" sz="1200" kern="1200">
+        <a:solidFill>
+          <a:schemeClr val="tx1"/>
+        </a:solidFill>
+        <a:latin typeface="+mn-lt"/>
+        <a:ea typeface="+mn-ea"/>
+        <a:cs typeface="+mn-cs"/>
+      </a:defRPr>
+    </a:lvl3pPr>
+    <a:lvl4pPr marL="1371600" algn="l" defTabSz="914400" rtl="0" eaLnBrk="1" latinLnBrk="0" hangingPunct="1">
+      <a:defRPr kumimoji="1" sz="1200" kern="1200">
+        <a:solidFill>
+          <a:schemeClr val="tx1"/>
+        </a:solidFill>
+        <a:latin typeface="+mn-lt"/>
+        <a:ea typeface="+mn-ea"/>
+        <a:cs typeface="+mn-cs"/>
+      </a:defRPr>
+    </a:lvl4pPr>
+    <a:lvl5pPr marL="1828800" algn="l" defTabSz="914400" rtl="0" eaLnBrk="1" latinLnBrk="0" hangingPunct="1">
+      <a:defRPr kumimoji="1" sz="1200" kern="1200">
+        <a:solidFill>
+          <a:schemeClr val="tx1"/>
+        </a:solidFill>
+        <a:latin typeface="+mn-lt"/>
+        <a:ea typeface="+mn-ea"/>
+        <a:cs typeface="+mn-cs"/>
+      </a:defRPr>
+    </a:lvl5pPr>
+    <a:lvl6pPr marL="2286000" algn="l" defTabSz="914400" rtl="0" eaLnBrk="1" latinLnBrk="0" hangingPunct="1">
+      <a:defRPr kumimoji="1" sz="1200" kern="1200">
+        <a:solidFill>
+          <a:schemeClr val="tx1"/>
+        </a:solidFill>
+        <a:latin typeface="+mn-lt"/>
+        <a:ea typeface="+mn-ea"/>
+        <a:cs typeface="+mn-cs"/>
+      </a:defRPr>
+    </a:lvl6pPr>
+    <a:lvl7pPr marL="2743200" algn="l" defTabSz="914400" rtl="0" eaLnBrk="1" latinLnBrk="0" hangingPunct="1">
+      <a:defRPr kumimoji="1" sz="1200" kern="1200">
+        <a:solidFill>
+          <a:schemeClr val="tx1"/>
+        </a:solidFill>
+        <a:latin typeface="+mn-lt"/>
+        <a:ea typeface="+mn-ea"/>
+        <a:cs typeface="+mn-cs"/>
+      </a:defRPr>
+    </a:lvl7pPr>
+    <a:lvl8pPr marL="3200400" algn="l" defTabSz="914400" rtl="0" eaLnBrk="1" latinLnBrk="0" hangingPunct="1">
+      <a:defRPr kumimoji="1" sz="1200" kern="1200">
+        <a:solidFill>
+          <a:schemeClr val="tx1"/>
+        </a:solidFill>
+        <a:latin typeface="+mn-lt"/>
+        <a:ea typeface="+mn-ea"/>
+        <a:cs typeface="+mn-cs"/>
+      </a:defRPr>
+    </a:lvl8pPr>
+    <a:lvl9pPr marL="3657600" algn="l" defTabSz="914400" rtl="0" eaLnBrk="1" latinLnBrk="0" hangingPunct="1">
+      <a:defRPr kumimoji="1" sz="1200" kern="1200">
+        <a:solidFill>
+          <a:schemeClr val="tx1"/>
+        </a:solidFill>
+        <a:latin typeface="+mn-lt"/>
+        <a:ea typeface="+mn-ea"/>
+        <a:cs typeface="+mn-cs"/>
+      </a:defRPr>
+    </a:lvl9pPr>
+  </p:notesStyle>
+</p:notesMaster>
+</file>
+
+<file path=ppt/notesSlides/notesSlide1.xml><?xml version="1.0" encoding="utf-8"?>
+<p:notes xmlns:a="http://schemas.openxmlformats.org/drawingml/2006/main" xmlns:r="http://schemas.openxmlformats.org/officeDocument/2006/relationships" xmlns:p="http://schemas.openxmlformats.org/presentationml/2006/main">
+  <p:cSld>
+    <p:spTree>
+      <p:nvGrpSpPr>
+        <p:cNvPr id="1" name=""/>
+        <p:cNvGrpSpPr/>
+        <p:nvPr/>
+      </p:nvGrpSpPr>
+      <p:grpSpPr>
+        <a:xfrm>
+          <a:off x="0" y="0"/>
+          <a:ext cx="0" cy="0"/>
+          <a:chOff x="0" y="0"/>
+          <a:chExt cx="0" cy="0"/>
+        </a:xfrm>
+      </p:grpSpPr>
+      <p:sp>
+        <p:nvSpPr>
+          <p:cNvPr id="2" name="スライド イメージ プレースホルダー 1"/>
+          <p:cNvSpPr>
+            <a:spLocks noGrp="1" noRot="1" noChangeAspect="1"/>
+          </p:cNvSpPr>
+          <p:nvPr>
+            <p:ph type="sldImg"/>
+          </p:nvPr>
+        </p:nvSpPr>
+        <p:spPr/>
+      </p:sp>
+      <p:sp>
+        <p:nvSpPr>
+          <p:cNvPr id="3" name="ノート プレースホルダー 2"/>
+          <p:cNvSpPr>
+            <a:spLocks noGrp="1"/>
+          </p:cNvSpPr>
+          <p:nvPr>
+            <p:ph type="body" idx="1"/>
+          </p:nvPr>
+        </p:nvSpPr>
+        <p:spPr/>
+        <p:txBody>
+          <a:bodyPr/>
+          <a:lstStyle/>
+          <a:p>
+            <a:endParaRPr kumimoji="1" lang="ja-JP" altLang="en-US" dirty="0"/>
+          </a:p>
+        </p:txBody>
+      </p:sp>
+      <p:sp>
+        <p:nvSpPr>
+          <p:cNvPr id="4" name="スライド番号プレースホルダー 3"/>
+          <p:cNvSpPr>
+            <a:spLocks noGrp="1"/>
+          </p:cNvSpPr>
+          <p:nvPr>
+            <p:ph type="sldNum" sz="quarter" idx="10"/>
+          </p:nvPr>
+        </p:nvSpPr>
+        <p:spPr/>
+        <p:txBody>
+          <a:bodyPr/>
+          <a:lstStyle/>
+          <a:p>
+            <a:fld id="{1E786E9A-FF2C-4593-92F8-A57A44F06E37}" type="slidenum">
+              <a:rPr kumimoji="1" lang="ja-JP" altLang="en-US" smtClean="0"/>
+              <a:t>2</a:t>
+            </a:fld>
+            <a:endParaRPr kumimoji="1" lang="ja-JP" altLang="en-US"/>
+          </a:p>
+        </p:txBody>
+      </p:sp>
+    </p:spTree>
+    <p:extLst>
+      <p:ext uri="{BB962C8B-B14F-4D97-AF65-F5344CB8AC3E}">
+        <p14:creationId xmlns:p14="http://schemas.microsoft.com/office/powerpoint/2010/main" val="1620078041"/>
+      </p:ext>
+    </p:extLst>
+  </p:cSld>
+  <p:clrMapOvr>
+    <a:masterClrMapping/>
+  </p:clrMapOvr>
+</p:notes>
 </file>
 
 <file path=ppt/slideLayouts/slideLayout1.xml><?xml version="1.0" encoding="utf-8"?>
@@ -255,7 +728,7 @@
           <a:p>
             <a:fld id="{33ABE050-792D-417B-93D3-9E9311F7FC8A}" type="datetimeFigureOut">
               <a:rPr kumimoji="1" lang="ja-JP" altLang="en-US" smtClean="0"/>
-              <a:t>2018/8/22</a:t>
+              <a:t>2018/8/29</a:t>
             </a:fld>
             <a:endParaRPr kumimoji="1" lang="ja-JP" altLang="en-US"/>
           </a:p>
@@ -485,7 +958,7 @@
           <a:p>
             <a:fld id="{33ABE050-792D-417B-93D3-9E9311F7FC8A}" type="datetimeFigureOut">
               <a:rPr kumimoji="1" lang="ja-JP" altLang="en-US" smtClean="0"/>
-              <a:t>2018/8/22</a:t>
+              <a:t>2018/8/29</a:t>
             </a:fld>
             <a:endParaRPr kumimoji="1" lang="ja-JP" altLang="en-US"/>
           </a:p>
@@ -725,7 +1198,7 @@
           <a:p>
             <a:fld id="{33ABE050-792D-417B-93D3-9E9311F7FC8A}" type="datetimeFigureOut">
               <a:rPr kumimoji="1" lang="ja-JP" altLang="en-US" smtClean="0"/>
-              <a:t>2018/8/22</a:t>
+              <a:t>2018/8/29</a:t>
             </a:fld>
             <a:endParaRPr kumimoji="1" lang="ja-JP" altLang="en-US"/>
           </a:p>
@@ -955,7 +1428,7 @@
           <a:p>
             <a:fld id="{33ABE050-792D-417B-93D3-9E9311F7FC8A}" type="datetimeFigureOut">
               <a:rPr kumimoji="1" lang="ja-JP" altLang="en-US" smtClean="0"/>
-              <a:t>2018/8/22</a:t>
+              <a:t>2018/8/29</a:t>
             </a:fld>
             <a:endParaRPr kumimoji="1" lang="ja-JP" altLang="en-US"/>
           </a:p>
@@ -1230,7 +1703,7 @@
           <a:p>
             <a:fld id="{33ABE050-792D-417B-93D3-9E9311F7FC8A}" type="datetimeFigureOut">
               <a:rPr kumimoji="1" lang="ja-JP" altLang="en-US" smtClean="0"/>
-              <a:t>2018/8/22</a:t>
+              <a:t>2018/8/29</a:t>
             </a:fld>
             <a:endParaRPr kumimoji="1" lang="ja-JP" altLang="en-US"/>
           </a:p>
@@ -1559,7 +2032,7 @@
           <a:p>
             <a:fld id="{33ABE050-792D-417B-93D3-9E9311F7FC8A}" type="datetimeFigureOut">
               <a:rPr kumimoji="1" lang="ja-JP" altLang="en-US" smtClean="0"/>
-              <a:t>2018/8/22</a:t>
+              <a:t>2018/8/29</a:t>
             </a:fld>
             <a:endParaRPr kumimoji="1" lang="ja-JP" altLang="en-US"/>
           </a:p>
@@ -2035,7 +2508,7 @@
           <a:p>
             <a:fld id="{33ABE050-792D-417B-93D3-9E9311F7FC8A}" type="datetimeFigureOut">
               <a:rPr kumimoji="1" lang="ja-JP" altLang="en-US" smtClean="0"/>
-              <a:t>2018/8/22</a:t>
+              <a:t>2018/8/29</a:t>
             </a:fld>
             <a:endParaRPr kumimoji="1" lang="ja-JP" altLang="en-US"/>
           </a:p>
@@ -2176,7 +2649,7 @@
           <a:p>
             <a:fld id="{33ABE050-792D-417B-93D3-9E9311F7FC8A}" type="datetimeFigureOut">
               <a:rPr kumimoji="1" lang="ja-JP" altLang="en-US" smtClean="0"/>
-              <a:t>2018/8/22</a:t>
+              <a:t>2018/8/29</a:t>
             </a:fld>
             <a:endParaRPr kumimoji="1" lang="ja-JP" altLang="en-US"/>
           </a:p>
@@ -2289,7 +2762,7 @@
           <a:p>
             <a:fld id="{33ABE050-792D-417B-93D3-9E9311F7FC8A}" type="datetimeFigureOut">
               <a:rPr kumimoji="1" lang="ja-JP" altLang="en-US" smtClean="0"/>
-              <a:t>2018/8/22</a:t>
+              <a:t>2018/8/29</a:t>
             </a:fld>
             <a:endParaRPr kumimoji="1" lang="ja-JP" altLang="en-US"/>
           </a:p>
@@ -2632,7 +3105,7 @@
           <a:p>
             <a:fld id="{33ABE050-792D-417B-93D3-9E9311F7FC8A}" type="datetimeFigureOut">
               <a:rPr kumimoji="1" lang="ja-JP" altLang="en-US" smtClean="0"/>
-              <a:t>2018/8/22</a:t>
+              <a:t>2018/8/29</a:t>
             </a:fld>
             <a:endParaRPr kumimoji="1" lang="ja-JP" altLang="en-US"/>
           </a:p>
@@ -2920,7 +3393,7 @@
           <a:p>
             <a:fld id="{33ABE050-792D-417B-93D3-9E9311F7FC8A}" type="datetimeFigureOut">
               <a:rPr kumimoji="1" lang="ja-JP" altLang="en-US" smtClean="0"/>
-              <a:t>2018/8/22</a:t>
+              <a:t>2018/8/29</a:t>
             </a:fld>
             <a:endParaRPr kumimoji="1" lang="ja-JP" altLang="en-US"/>
           </a:p>
@@ -3193,7 +3666,7 @@
           <a:p>
             <a:fld id="{33ABE050-792D-417B-93D3-9E9311F7FC8A}" type="datetimeFigureOut">
               <a:rPr kumimoji="1" lang="ja-JP" altLang="en-US" smtClean="0"/>
-              <a:t>2018/8/22</a:t>
+              <a:t>2018/8/29</a:t>
             </a:fld>
             <a:endParaRPr kumimoji="1" lang="ja-JP" altLang="en-US"/>
           </a:p>
@@ -3710,8 +4183,8 @@
         </p:nvSpPr>
         <p:spPr>
           <a:xfrm>
-            <a:off x="3573116" y="208721"/>
-            <a:ext cx="4081959" cy="447261"/>
+            <a:off x="9604903" y="873412"/>
+            <a:ext cx="2099418" cy="927035"/>
           </a:xfrm>
           <a:prstGeom prst="rect">
             <a:avLst/>
@@ -3775,8 +4248,8 @@
         </p:nvSpPr>
         <p:spPr>
           <a:xfrm>
-            <a:off x="3159129" y="873412"/>
-            <a:ext cx="4909930" cy="5933661"/>
+            <a:off x="3165341" y="172920"/>
+            <a:ext cx="4909930" cy="6646206"/>
           </a:xfrm>
           <a:prstGeom prst="rect">
             <a:avLst/>
@@ -3819,72 +4292,31 @@
           </a:p>
         </p:txBody>
       </p:sp>
-      <p:pic>
-        <p:nvPicPr>
-          <p:cNvPr id="9" name="図 8">
-            <a:extLst>
-              <a:ext uri="{FF2B5EF4-FFF2-40B4-BE49-F238E27FC236}">
-                <a16:creationId xmlns:a16="http://schemas.microsoft.com/office/drawing/2014/main" id="{2A0D020D-F596-4CDE-9313-1691DA9B19D1}"/>
-              </a:ext>
-            </a:extLst>
-          </p:cNvPr>
-          <p:cNvPicPr>
-            <a:picLocks noChangeAspect="1"/>
-          </p:cNvPicPr>
+      <p:sp>
+        <p:nvSpPr>
+          <p:cNvPr id="16" name="正方形/長方形 15">
+            <a:extLst>
+              <a:ext uri="{FF2B5EF4-FFF2-40B4-BE49-F238E27FC236}">
+                <a16:creationId xmlns:a16="http://schemas.microsoft.com/office/drawing/2014/main" id="{729E071F-F61F-4405-BDD7-D9133201BBCD}"/>
+              </a:ext>
+            </a:extLst>
+          </p:cNvPr>
+          <p:cNvSpPr/>
           <p:nvPr/>
-        </p:nvPicPr>
-        <p:blipFill>
-          <a:blip r:embed="rId2">
-            <a:extLst>
-              <a:ext uri="{28A0092B-C50C-407E-A947-70E740481C1C}">
-                <a14:useLocalDpi xmlns:a14="http://schemas.microsoft.com/office/drawing/2010/main" val="0"/>
-              </a:ext>
-              <a:ext uri="{837473B0-CC2E-450A-ABE3-18F120FF3D39}">
-                <a1611:picAttrSrcUrl xmlns:a1611="http://schemas.microsoft.com/office/drawing/2016/11/main" r:id="rId3"/>
-              </a:ext>
-            </a:extLst>
-          </a:blip>
-          <a:stretch>
-            <a:fillRect/>
-          </a:stretch>
-        </p:blipFill>
+        </p:nvSpPr>
         <p:spPr>
           <a:xfrm>
-            <a:off x="4989442" y="1511205"/>
-            <a:ext cx="1335728" cy="1540992"/>
-          </a:xfrm>
-          <a:prstGeom prst="rect">
-            <a:avLst/>
-          </a:prstGeom>
-          <a:ln>
-            <a:solidFill>
-              <a:schemeClr val="tx1"/>
-            </a:solidFill>
-          </a:ln>
-        </p:spPr>
-      </p:pic>
-      <p:sp>
-        <p:nvSpPr>
-          <p:cNvPr id="16" name="正方形/長方形 15">
-            <a:extLst>
-              <a:ext uri="{FF2B5EF4-FFF2-40B4-BE49-F238E27FC236}">
-                <a16:creationId xmlns:a16="http://schemas.microsoft.com/office/drawing/2014/main" id="{729E071F-F61F-4405-BDD7-D9133201BBCD}"/>
-              </a:ext>
-            </a:extLst>
-          </p:cNvPr>
-          <p:cNvSpPr/>
-          <p:nvPr/>
-        </p:nvSpPr>
-        <p:spPr>
-          <a:xfrm>
-            <a:off x="4989443" y="3260035"/>
-            <a:ext cx="1328817" cy="318052"/>
+            <a:off x="4142796" y="2092572"/>
+            <a:ext cx="2537404" cy="318052"/>
           </a:xfrm>
           <a:prstGeom prst="rect">
             <a:avLst/>
           </a:prstGeom>
           <a:solidFill>
-            <a:schemeClr val="bg2"/>
+            <a:schemeClr val="accent6">
+              <a:lumMod val="40000"/>
+              <a:lumOff val="60000"/>
+            </a:schemeClr>
           </a:solidFill>
           <a:ln>
             <a:noFill/>
@@ -3953,14 +4385,17 @@
         </p:nvSpPr>
         <p:spPr>
           <a:xfrm>
-            <a:off x="4989442" y="3681217"/>
-            <a:ext cx="1328817" cy="318052"/>
+            <a:off x="6390640" y="2615051"/>
+            <a:ext cx="1483845" cy="318052"/>
           </a:xfrm>
           <a:prstGeom prst="rect">
             <a:avLst/>
           </a:prstGeom>
           <a:solidFill>
-            <a:schemeClr val="bg2"/>
+            <a:schemeClr val="accent6">
+              <a:lumMod val="40000"/>
+              <a:lumOff val="60000"/>
+            </a:schemeClr>
           </a:solidFill>
           <a:ln>
             <a:noFill/>
@@ -3987,7 +4422,7 @@
           <a:lstStyle/>
           <a:p>
             <a:r>
-              <a:rPr lang="ja-JP" altLang="en-US" sz="1000" dirty="0">
+              <a:rPr lang="ja-JP" altLang="en-US" sz="700" dirty="0">
                 <a:ln>
                   <a:solidFill>
                     <a:schemeClr val="tx1"/>
@@ -3997,10 +4432,10 @@
                   <a:schemeClr val="tx1"/>
                 </a:solidFill>
               </a:rPr>
-              <a:t>金額：￥</a:t>
-            </a:r>
-            <a:r>
-              <a:rPr lang="en-US" altLang="ja-JP" sz="1000" dirty="0">
+              <a:t>価格：　　￥</a:t>
+            </a:r>
+            <a:r>
+              <a:rPr lang="en-US" altLang="ja-JP" sz="700" dirty="0">
                 <a:ln>
                   <a:solidFill>
                     <a:schemeClr val="tx1"/>
@@ -4010,7 +4445,7 @@
                   <a:schemeClr val="tx1"/>
                 </a:solidFill>
               </a:rPr>
-              <a:t>XXXX</a:t>
+              <a:t>800</a:t>
             </a:r>
           </a:p>
         </p:txBody>
@@ -4029,14 +4464,17 @@
         </p:nvSpPr>
         <p:spPr>
           <a:xfrm>
-            <a:off x="4996353" y="4102399"/>
-            <a:ext cx="1328817" cy="318052"/>
+            <a:off x="6390640" y="3399686"/>
+            <a:ext cx="1467362" cy="318052"/>
           </a:xfrm>
           <a:prstGeom prst="rect">
             <a:avLst/>
           </a:prstGeom>
           <a:solidFill>
-            <a:schemeClr val="bg2"/>
+            <a:schemeClr val="accent6">
+              <a:lumMod val="40000"/>
+              <a:lumOff val="60000"/>
+            </a:schemeClr>
           </a:solidFill>
           <a:ln>
             <a:noFill/>
@@ -4063,7 +4501,7 @@
           <a:lstStyle/>
           <a:p>
             <a:r>
-              <a:rPr lang="ja-JP" altLang="en-US" sz="1000" dirty="0">
+              <a:rPr lang="ja-JP" altLang="en-US" sz="700" dirty="0">
                 <a:ln>
                   <a:solidFill>
                     <a:schemeClr val="tx1"/>
@@ -4073,154 +4511,46 @@
                   <a:schemeClr val="tx1"/>
                 </a:solidFill>
               </a:rPr>
-              <a:t>支払方法：</a:t>
-            </a:r>
-            <a:r>
-              <a:rPr lang="en-US" altLang="ja-JP" sz="1000" dirty="0">
-                <a:ln>
-                  <a:solidFill>
-                    <a:schemeClr val="tx1"/>
-                  </a:solidFill>
-                </a:ln>
+              <a:t>支払方法：現金取引</a:t>
+            </a:r>
+            <a:endParaRPr lang="en-US" altLang="ja-JP" sz="700" dirty="0">
+              <a:ln>
                 <a:solidFill>
                   <a:schemeClr val="tx1"/>
                 </a:solidFill>
-              </a:rPr>
-              <a:t>XXXX</a:t>
-            </a:r>
-          </a:p>
-        </p:txBody>
-      </p:sp>
-      <p:cxnSp>
-        <p:nvCxnSpPr>
-          <p:cNvPr id="21" name="直線コネクタ 20">
-            <a:extLst>
-              <a:ext uri="{FF2B5EF4-FFF2-40B4-BE49-F238E27FC236}">
-                <a16:creationId xmlns:a16="http://schemas.microsoft.com/office/drawing/2014/main" id="{41F02686-1645-406E-9945-959409298404}"/>
-              </a:ext>
-            </a:extLst>
-          </p:cNvPr>
-          <p:cNvCxnSpPr/>
+              </a:ln>
+              <a:solidFill>
+                <a:schemeClr val="tx1"/>
+              </a:solidFill>
+            </a:endParaRPr>
+          </a:p>
+        </p:txBody>
+      </p:sp>
+      <p:sp>
+        <p:nvSpPr>
+          <p:cNvPr id="24" name="正方形/長方形 23">
+            <a:extLst>
+              <a:ext uri="{FF2B5EF4-FFF2-40B4-BE49-F238E27FC236}">
+                <a16:creationId xmlns:a16="http://schemas.microsoft.com/office/drawing/2014/main" id="{AEF99768-6200-493A-883A-44A8F98D426E}"/>
+              </a:ext>
+            </a:extLst>
+          </p:cNvPr>
+          <p:cNvSpPr/>
           <p:nvPr/>
-        </p:nvCxnSpPr>
+        </p:nvSpPr>
         <p:spPr>
           <a:xfrm>
-            <a:off x="5054009" y="3567807"/>
-            <a:ext cx="1197935" cy="0"/>
-          </a:xfrm>
-          <a:prstGeom prst="line">
-            <a:avLst/>
-          </a:prstGeom>
-        </p:spPr>
-        <p:style>
-          <a:lnRef idx="1">
-            <a:schemeClr val="accent1"/>
-          </a:lnRef>
-          <a:fillRef idx="0">
-            <a:schemeClr val="accent1"/>
-          </a:fillRef>
-          <a:effectRef idx="0">
-            <a:schemeClr val="accent1"/>
-          </a:effectRef>
-          <a:fontRef idx="minor">
-            <a:schemeClr val="tx1"/>
-          </a:fontRef>
-        </p:style>
-      </p:cxnSp>
-      <p:cxnSp>
-        <p:nvCxnSpPr>
-          <p:cNvPr id="22" name="直線コネクタ 21">
-            <a:extLst>
-              <a:ext uri="{FF2B5EF4-FFF2-40B4-BE49-F238E27FC236}">
-                <a16:creationId xmlns:a16="http://schemas.microsoft.com/office/drawing/2014/main" id="{A1D59785-AA16-4A6B-A8D3-8A6B608EE100}"/>
-              </a:ext>
-            </a:extLst>
-          </p:cNvPr>
-          <p:cNvCxnSpPr/>
-          <p:nvPr/>
-        </p:nvCxnSpPr>
-        <p:spPr>
-          <a:xfrm>
-            <a:off x="5050468" y="3975382"/>
-            <a:ext cx="1197935" cy="0"/>
-          </a:xfrm>
-          <a:prstGeom prst="line">
-            <a:avLst/>
-          </a:prstGeom>
-        </p:spPr>
-        <p:style>
-          <a:lnRef idx="1">
-            <a:schemeClr val="accent1"/>
-          </a:lnRef>
-          <a:fillRef idx="0">
-            <a:schemeClr val="accent1"/>
-          </a:fillRef>
-          <a:effectRef idx="0">
-            <a:schemeClr val="accent1"/>
-          </a:effectRef>
-          <a:fontRef idx="minor">
-            <a:schemeClr val="tx1"/>
-          </a:fontRef>
-        </p:style>
-      </p:cxnSp>
-      <p:cxnSp>
-        <p:nvCxnSpPr>
-          <p:cNvPr id="23" name="直線コネクタ 22">
-            <a:extLst>
-              <a:ext uri="{FF2B5EF4-FFF2-40B4-BE49-F238E27FC236}">
-                <a16:creationId xmlns:a16="http://schemas.microsoft.com/office/drawing/2014/main" id="{9DB8F86B-3A57-43D2-A262-0493C8DFEAB7}"/>
-              </a:ext>
-            </a:extLst>
-          </p:cNvPr>
-          <p:cNvCxnSpPr/>
-          <p:nvPr/>
-        </p:nvCxnSpPr>
-        <p:spPr>
-          <a:xfrm>
-            <a:off x="5057559" y="4407778"/>
-            <a:ext cx="1197935" cy="0"/>
-          </a:xfrm>
-          <a:prstGeom prst="line">
-            <a:avLst/>
-          </a:prstGeom>
-        </p:spPr>
-        <p:style>
-          <a:lnRef idx="1">
-            <a:schemeClr val="accent1"/>
-          </a:lnRef>
-          <a:fillRef idx="0">
-            <a:schemeClr val="accent1"/>
-          </a:fillRef>
-          <a:effectRef idx="0">
-            <a:schemeClr val="accent1"/>
-          </a:effectRef>
-          <a:fontRef idx="minor">
-            <a:schemeClr val="tx1"/>
-          </a:fontRef>
-        </p:style>
-      </p:cxnSp>
-      <p:sp>
-        <p:nvSpPr>
-          <p:cNvPr id="24" name="正方形/長方形 23">
-            <a:extLst>
-              <a:ext uri="{FF2B5EF4-FFF2-40B4-BE49-F238E27FC236}">
-                <a16:creationId xmlns:a16="http://schemas.microsoft.com/office/drawing/2014/main" id="{AEF99768-6200-493A-883A-44A8F98D426E}"/>
-              </a:ext>
-            </a:extLst>
-          </p:cNvPr>
-          <p:cNvSpPr/>
-          <p:nvPr/>
-        </p:nvSpPr>
-        <p:spPr>
-          <a:xfrm>
-            <a:off x="3573116" y="4898065"/>
-            <a:ext cx="1138915" cy="276447"/>
+            <a:off x="6390640" y="3816298"/>
+            <a:ext cx="1467362" cy="276447"/>
           </a:xfrm>
           <a:prstGeom prst="rect">
             <a:avLst/>
           </a:prstGeom>
           <a:solidFill>
-            <a:schemeClr val="bg2"/>
+            <a:schemeClr val="accent6">
+              <a:lumMod val="40000"/>
+              <a:lumOff val="60000"/>
+            </a:schemeClr>
           </a:solidFill>
           <a:ln>
             <a:solidFill>
@@ -4249,7 +4579,7 @@
           <a:lstStyle/>
           <a:p>
             <a:r>
-              <a:rPr lang="ja-JP" altLang="en-US" sz="1200" dirty="0">
+              <a:rPr lang="ja-JP" altLang="en-US" sz="700" dirty="0">
                 <a:ln>
                   <a:solidFill>
                     <a:schemeClr val="tx1"/>
@@ -4259,9 +4589,22 @@
                   <a:schemeClr val="tx1"/>
                 </a:solidFill>
               </a:rPr>
-              <a:t>出品者</a:t>
-            </a:r>
-            <a:endParaRPr kumimoji="1" lang="ja-JP" altLang="en-US" sz="1200" dirty="0">
+              <a:t>出品者　</a:t>
+            </a:r>
+            <a:r>
+              <a:rPr lang="en-US" altLang="ja-JP" sz="700" dirty="0">
+                <a:ln>
+                  <a:solidFill>
+                    <a:schemeClr val="tx1"/>
+                  </a:solidFill>
+                </a:ln>
+                <a:solidFill>
+                  <a:schemeClr val="tx1"/>
+                </a:solidFill>
+              </a:rPr>
+              <a:t>XXXX</a:t>
+            </a:r>
+            <a:endParaRPr kumimoji="1" lang="ja-JP" altLang="en-US" sz="700" dirty="0">
               <a:ln>
                 <a:solidFill>
                   <a:schemeClr val="tx1"/>
@@ -4288,14 +4631,17 @@
         </p:nvSpPr>
         <p:spPr>
           <a:xfrm>
-            <a:off x="3573115" y="5528658"/>
-            <a:ext cx="1138915" cy="276447"/>
+            <a:off x="6390640" y="4195869"/>
+            <a:ext cx="1467362" cy="276447"/>
           </a:xfrm>
           <a:prstGeom prst="rect">
             <a:avLst/>
           </a:prstGeom>
           <a:solidFill>
-            <a:schemeClr val="bg2"/>
+            <a:schemeClr val="accent6">
+              <a:lumMod val="40000"/>
+              <a:lumOff val="60000"/>
+            </a:schemeClr>
           </a:solidFill>
           <a:ln>
             <a:solidFill>
@@ -4324,7 +4670,7 @@
           <a:lstStyle/>
           <a:p>
             <a:r>
-              <a:rPr kumimoji="1" lang="ja-JP" altLang="en-US" sz="1200" dirty="0">
+              <a:rPr kumimoji="1" lang="ja-JP" altLang="en-US" sz="700" dirty="0">
                 <a:ln>
                   <a:solidFill>
                     <a:schemeClr val="tx1"/>
@@ -4334,7 +4680,7 @@
                   <a:schemeClr val="tx1"/>
                 </a:solidFill>
               </a:rPr>
-              <a:t>お気に入り</a:t>
+              <a:t>お気に入り登録</a:t>
             </a:r>
           </a:p>
         </p:txBody>
@@ -4353,14 +4699,17 @@
         </p:nvSpPr>
         <p:spPr>
           <a:xfrm>
-            <a:off x="3359888" y="1013637"/>
-            <a:ext cx="4550735" cy="394438"/>
+            <a:off x="3159129" y="174122"/>
+            <a:ext cx="4909930" cy="618401"/>
           </a:xfrm>
           <a:prstGeom prst="rect">
             <a:avLst/>
           </a:prstGeom>
           <a:solidFill>
-            <a:schemeClr val="bg2"/>
+            <a:schemeClr val="accent6">
+              <a:lumMod val="60000"/>
+              <a:lumOff val="40000"/>
+            </a:schemeClr>
           </a:solidFill>
         </p:spPr>
         <p:style>
@@ -4385,14 +4734,14 @@
           <a:p>
             <a:pPr algn="ctr"/>
             <a:r>
-              <a:rPr lang="en-US" altLang="ja-JP" dirty="0">
+              <a:rPr lang="ja-JP" altLang="en-US" sz="1600" dirty="0" err="1">
                 <a:solidFill>
                   <a:schemeClr val="tx1"/>
                 </a:solidFill>
               </a:rPr>
-              <a:t>header</a:t>
-            </a:r>
-            <a:endParaRPr kumimoji="1" lang="ja-JP" altLang="en-US" dirty="0">
+              <a:t>てくま</a:t>
+            </a:r>
+            <a:endParaRPr kumimoji="1" lang="en-US" altLang="ja-JP" sz="1600" dirty="0">
               <a:solidFill>
                 <a:schemeClr val="tx1"/>
               </a:solidFill>
@@ -4414,14 +4763,17 @@
         </p:nvSpPr>
         <p:spPr>
           <a:xfrm>
-            <a:off x="3573116" y="1800447"/>
-            <a:ext cx="1041991" cy="2605248"/>
+            <a:off x="3161269" y="1146669"/>
+            <a:ext cx="4797420" cy="842773"/>
           </a:xfrm>
           <a:prstGeom prst="rect">
             <a:avLst/>
           </a:prstGeom>
           <a:solidFill>
-            <a:schemeClr val="bg2"/>
+            <a:schemeClr val="accent6">
+              <a:lumMod val="20000"/>
+              <a:lumOff val="80000"/>
+            </a:schemeClr>
           </a:solidFill>
         </p:spPr>
         <p:style>
@@ -4445,16 +4797,6 @@
           <a:lstStyle/>
           <a:p>
             <a:pPr algn="ctr"/>
-            <a:r>
-              <a:rPr kumimoji="1" lang="en-US" altLang="ja-JP" dirty="0" err="1">
-                <a:ln>
-                  <a:solidFill>
-                    <a:schemeClr val="tx1"/>
-                  </a:solidFill>
-                </a:ln>
-              </a:rPr>
-              <a:t>etc</a:t>
-            </a:r>
             <a:endParaRPr kumimoji="1" lang="ja-JP" altLang="en-US" dirty="0">
               <a:ln>
                 <a:solidFill>
@@ -4467,10 +4809,10 @@
       </p:sp>
       <p:sp>
         <p:nvSpPr>
-          <p:cNvPr id="29" name="正方形/長方形 28">
-            <a:extLst>
-              <a:ext uri="{FF2B5EF4-FFF2-40B4-BE49-F238E27FC236}">
-                <a16:creationId xmlns:a16="http://schemas.microsoft.com/office/drawing/2014/main" id="{4A107048-2F43-4FA3-B601-93A0616DF11D}"/>
+          <p:cNvPr id="32" name="正方形/長方形 31">
+            <a:extLst>
+              <a:ext uri="{FF2B5EF4-FFF2-40B4-BE49-F238E27FC236}">
+                <a16:creationId xmlns:a16="http://schemas.microsoft.com/office/drawing/2014/main" id="{874BA724-7F46-4291-9D60-CD82B96CFACE}"/>
               </a:ext>
             </a:extLst>
           </p:cNvPr>
@@ -4479,14 +4821,17 @@
         </p:nvSpPr>
         <p:spPr>
           <a:xfrm>
-            <a:off x="6813320" y="1713454"/>
-            <a:ext cx="997890" cy="1338743"/>
+            <a:off x="3159129" y="6326278"/>
+            <a:ext cx="4909930" cy="482677"/>
           </a:xfrm>
           <a:prstGeom prst="rect">
             <a:avLst/>
           </a:prstGeom>
           <a:solidFill>
-            <a:schemeClr val="bg2"/>
+            <a:schemeClr val="accent6">
+              <a:lumMod val="60000"/>
+              <a:lumOff val="40000"/>
+            </a:schemeClr>
           </a:solidFill>
         </p:spPr>
         <p:style>
@@ -4510,14 +4855,6 @@
           <a:lstStyle/>
           <a:p>
             <a:pPr algn="ctr"/>
-            <a:r>
-              <a:rPr lang="en-US" altLang="ja-JP" dirty="0" err="1">
-                <a:solidFill>
-                  <a:schemeClr val="tx1"/>
-                </a:solidFill>
-              </a:rPr>
-              <a:t>etc</a:t>
-            </a:r>
             <a:endParaRPr kumimoji="1" lang="ja-JP" altLang="en-US" dirty="0">
               <a:solidFill>
                 <a:schemeClr val="tx1"/>
@@ -4528,10 +4865,10 @@
       </p:sp>
       <p:sp>
         <p:nvSpPr>
-          <p:cNvPr id="30" name="正方形/長方形 29">
-            <a:extLst>
-              <a:ext uri="{FF2B5EF4-FFF2-40B4-BE49-F238E27FC236}">
-                <a16:creationId xmlns:a16="http://schemas.microsoft.com/office/drawing/2014/main" id="{F24A5973-F9C4-47D7-8515-50F441B9E6DE}"/>
+          <p:cNvPr id="2" name="正方形/長方形 1">
+            <a:extLst>
+              <a:ext uri="{FF2B5EF4-FFF2-40B4-BE49-F238E27FC236}">
+                <a16:creationId xmlns:a16="http://schemas.microsoft.com/office/drawing/2014/main" id="{10AB1819-8023-4DA2-8D7D-15F906DFD842}"/>
               </a:ext>
             </a:extLst>
           </p:cNvPr>
@@ -4540,14 +4877,17 @@
         </p:nvSpPr>
         <p:spPr>
           <a:xfrm>
-            <a:off x="6813320" y="3311774"/>
-            <a:ext cx="976803" cy="1096004"/>
+            <a:off x="3369645" y="531722"/>
+            <a:ext cx="724466" cy="227878"/>
           </a:xfrm>
           <a:prstGeom prst="rect">
             <a:avLst/>
           </a:prstGeom>
           <a:solidFill>
-            <a:schemeClr val="bg2"/>
+            <a:schemeClr val="tx1">
+              <a:lumMod val="50000"/>
+              <a:lumOff val="50000"/>
+            </a:schemeClr>
           </a:solidFill>
         </p:spPr>
         <p:style>
@@ -4572,27 +4912,18 @@
           <a:p>
             <a:pPr algn="ctr"/>
             <a:r>
-              <a:rPr lang="en-US" altLang="ja-JP" dirty="0" err="1">
-                <a:solidFill>
-                  <a:schemeClr val="tx1"/>
-                </a:solidFill>
-              </a:rPr>
-              <a:t>etc</a:t>
-            </a:r>
-            <a:endParaRPr kumimoji="1" lang="ja-JP" altLang="en-US" dirty="0">
-              <a:solidFill>
-                <a:schemeClr val="tx1"/>
-              </a:solidFill>
-            </a:endParaRPr>
-          </a:p>
-        </p:txBody>
-      </p:sp>
-      <p:sp>
-        <p:nvSpPr>
-          <p:cNvPr id="32" name="正方形/長方形 31">
-            <a:extLst>
-              <a:ext uri="{FF2B5EF4-FFF2-40B4-BE49-F238E27FC236}">
-                <a16:creationId xmlns:a16="http://schemas.microsoft.com/office/drawing/2014/main" id="{874BA724-7F46-4291-9D60-CD82B96CFACE}"/>
+              <a:rPr kumimoji="1" lang="ja-JP" altLang="en-US" sz="1000" dirty="0"/>
+              <a:t>出品</a:t>
+            </a:r>
+          </a:p>
+        </p:txBody>
+      </p:sp>
+      <p:sp>
+        <p:nvSpPr>
+          <p:cNvPr id="20" name="正方形/長方形 19">
+            <a:extLst>
+              <a:ext uri="{FF2B5EF4-FFF2-40B4-BE49-F238E27FC236}">
+                <a16:creationId xmlns:a16="http://schemas.microsoft.com/office/drawing/2014/main" id="{3415EF2A-5738-4B38-B4A3-485F8B4EC012}"/>
               </a:ext>
             </a:extLst>
           </p:cNvPr>
@@ -4601,14 +4932,17 @@
         </p:nvSpPr>
         <p:spPr>
           <a:xfrm>
-            <a:off x="3359888" y="6181060"/>
-            <a:ext cx="4550735" cy="394438"/>
+            <a:off x="6146800" y="536033"/>
+            <a:ext cx="692150" cy="227878"/>
           </a:xfrm>
           <a:prstGeom prst="rect">
             <a:avLst/>
           </a:prstGeom>
           <a:solidFill>
-            <a:schemeClr val="bg2"/>
+            <a:schemeClr val="tx1">
+              <a:lumMod val="50000"/>
+              <a:lumOff val="50000"/>
+            </a:schemeClr>
           </a:solidFill>
         </p:spPr>
         <p:style>
@@ -4633,14 +4967,1022 @@
           <a:p>
             <a:pPr algn="ctr"/>
             <a:r>
-              <a:rPr lang="en-US" altLang="ja-JP" dirty="0">
+              <a:rPr kumimoji="1" lang="ja-JP" altLang="en-US" sz="800" dirty="0"/>
+              <a:t>マイページ</a:t>
+            </a:r>
+          </a:p>
+        </p:txBody>
+      </p:sp>
+      <p:sp>
+        <p:nvSpPr>
+          <p:cNvPr id="25" name="正方形/長方形 24">
+            <a:extLst>
+              <a:ext uri="{FF2B5EF4-FFF2-40B4-BE49-F238E27FC236}">
+                <a16:creationId xmlns:a16="http://schemas.microsoft.com/office/drawing/2014/main" id="{9B006362-F4A3-4944-B7C7-5A963E73D922}"/>
+              </a:ext>
+            </a:extLst>
+          </p:cNvPr>
+          <p:cNvSpPr/>
+          <p:nvPr/>
+        </p:nvSpPr>
+        <p:spPr>
+          <a:xfrm>
+            <a:off x="4448050" y="531722"/>
+            <a:ext cx="810156" cy="227878"/>
+          </a:xfrm>
+          <a:prstGeom prst="rect">
+            <a:avLst/>
+          </a:prstGeom>
+          <a:solidFill>
+            <a:schemeClr val="tx1">
+              <a:lumMod val="50000"/>
+              <a:lumOff val="50000"/>
+            </a:schemeClr>
+          </a:solidFill>
+        </p:spPr>
+        <p:style>
+          <a:lnRef idx="2">
+            <a:schemeClr val="accent1">
+              <a:shade val="50000"/>
+            </a:schemeClr>
+          </a:lnRef>
+          <a:fillRef idx="1">
+            <a:schemeClr val="accent1"/>
+          </a:fillRef>
+          <a:effectRef idx="0">
+            <a:schemeClr val="accent1"/>
+          </a:effectRef>
+          <a:fontRef idx="minor">
+            <a:schemeClr val="lt1"/>
+          </a:fontRef>
+        </p:style>
+        <p:txBody>
+          <a:bodyPr rtlCol="0" anchor="ctr"/>
+          <a:lstStyle/>
+          <a:p>
+            <a:pPr algn="ctr"/>
+            <a:r>
+              <a:rPr kumimoji="1" lang="ja-JP" altLang="en-US" sz="800" dirty="0"/>
+              <a:t>お問い合わせ</a:t>
+            </a:r>
+          </a:p>
+        </p:txBody>
+      </p:sp>
+      <p:sp>
+        <p:nvSpPr>
+          <p:cNvPr id="31" name="正方形/長方形 30">
+            <a:extLst>
+              <a:ext uri="{FF2B5EF4-FFF2-40B4-BE49-F238E27FC236}">
+                <a16:creationId xmlns:a16="http://schemas.microsoft.com/office/drawing/2014/main" id="{E82D4347-233B-48A9-81DC-2E29F281EB03}"/>
+              </a:ext>
+            </a:extLst>
+          </p:cNvPr>
+          <p:cNvSpPr/>
+          <p:nvPr/>
+        </p:nvSpPr>
+        <p:spPr>
+          <a:xfrm>
+            <a:off x="7210077" y="531722"/>
+            <a:ext cx="666520" cy="227878"/>
+          </a:xfrm>
+          <a:prstGeom prst="rect">
+            <a:avLst/>
+          </a:prstGeom>
+          <a:solidFill>
+            <a:schemeClr val="tx1">
+              <a:lumMod val="50000"/>
+              <a:lumOff val="50000"/>
+            </a:schemeClr>
+          </a:solidFill>
+        </p:spPr>
+        <p:style>
+          <a:lnRef idx="2">
+            <a:schemeClr val="accent1">
+              <a:shade val="50000"/>
+            </a:schemeClr>
+          </a:lnRef>
+          <a:fillRef idx="1">
+            <a:schemeClr val="accent1"/>
+          </a:fillRef>
+          <a:effectRef idx="0">
+            <a:schemeClr val="accent1"/>
+          </a:effectRef>
+          <a:fontRef idx="minor">
+            <a:schemeClr val="lt1"/>
+          </a:fontRef>
+        </p:style>
+        <p:txBody>
+          <a:bodyPr rtlCol="0" anchor="ctr"/>
+          <a:lstStyle/>
+          <a:p>
+            <a:pPr algn="ctr"/>
+            <a:r>
+              <a:rPr kumimoji="1" lang="en-US" altLang="ja-JP" sz="800" dirty="0"/>
+              <a:t>Login</a:t>
+            </a:r>
+          </a:p>
+          <a:p>
+            <a:pPr algn="ctr"/>
+            <a:r>
+              <a:rPr lang="en-US" altLang="ja-JP" sz="800" dirty="0"/>
+              <a:t>Log out</a:t>
+            </a:r>
+            <a:endParaRPr kumimoji="1" lang="ja-JP" altLang="en-US" sz="800" dirty="0"/>
+          </a:p>
+        </p:txBody>
+      </p:sp>
+      <p:sp>
+        <p:nvSpPr>
+          <p:cNvPr id="4" name="正方形/長方形 3">
+            <a:extLst>
+              <a:ext uri="{FF2B5EF4-FFF2-40B4-BE49-F238E27FC236}">
+                <a16:creationId xmlns:a16="http://schemas.microsoft.com/office/drawing/2014/main" id="{E5F5FBEF-DB01-4E16-BC83-014965B1F758}"/>
+              </a:ext>
+            </a:extLst>
+          </p:cNvPr>
+          <p:cNvSpPr/>
+          <p:nvPr/>
+        </p:nvSpPr>
+        <p:spPr>
+          <a:xfrm>
+            <a:off x="3206815" y="1228018"/>
+            <a:ext cx="647700" cy="174276"/>
+          </a:xfrm>
+          <a:prstGeom prst="rect">
+            <a:avLst/>
+          </a:prstGeom>
+          <a:solidFill>
+            <a:schemeClr val="bg1"/>
+          </a:solidFill>
+        </p:spPr>
+        <p:style>
+          <a:lnRef idx="2">
+            <a:schemeClr val="accent1">
+              <a:shade val="50000"/>
+            </a:schemeClr>
+          </a:lnRef>
+          <a:fillRef idx="1">
+            <a:schemeClr val="accent1"/>
+          </a:fillRef>
+          <a:effectRef idx="0">
+            <a:schemeClr val="accent1"/>
+          </a:effectRef>
+          <a:fontRef idx="minor">
+            <a:schemeClr val="lt1"/>
+          </a:fontRef>
+        </p:style>
+        <p:txBody>
+          <a:bodyPr rtlCol="0" anchor="ctr"/>
+          <a:lstStyle/>
+          <a:p>
+            <a:r>
+              <a:rPr kumimoji="1" lang="ja-JP" altLang="en-US" sz="500" dirty="0">
+                <a:solidFill>
+                  <a:sysClr val="windowText" lastClr="000000"/>
+                </a:solidFill>
+              </a:rPr>
+              <a:t>検索</a:t>
+            </a:r>
+          </a:p>
+        </p:txBody>
+      </p:sp>
+      <p:sp>
+        <p:nvSpPr>
+          <p:cNvPr id="5" name="正方形/長方形 4">
+            <a:extLst>
+              <a:ext uri="{FF2B5EF4-FFF2-40B4-BE49-F238E27FC236}">
+                <a16:creationId xmlns:a16="http://schemas.microsoft.com/office/drawing/2014/main" id="{C0D39C20-7148-4B4F-BA3A-4A2B1110A93D}"/>
+              </a:ext>
+            </a:extLst>
+          </p:cNvPr>
+          <p:cNvSpPr/>
+          <p:nvPr/>
+        </p:nvSpPr>
+        <p:spPr>
+          <a:xfrm>
+            <a:off x="3843575" y="1228018"/>
+            <a:ext cx="165731" cy="174276"/>
+          </a:xfrm>
+          <a:prstGeom prst="rect">
+            <a:avLst/>
+          </a:prstGeom>
+          <a:solidFill>
+            <a:schemeClr val="bg2">
+              <a:lumMod val="75000"/>
+            </a:schemeClr>
+          </a:solidFill>
+        </p:spPr>
+        <p:style>
+          <a:lnRef idx="2">
+            <a:schemeClr val="accent1">
+              <a:shade val="50000"/>
+            </a:schemeClr>
+          </a:lnRef>
+          <a:fillRef idx="1">
+            <a:schemeClr val="accent1"/>
+          </a:fillRef>
+          <a:effectRef idx="0">
+            <a:schemeClr val="accent1"/>
+          </a:effectRef>
+          <a:fontRef idx="minor">
+            <a:schemeClr val="lt1"/>
+          </a:fontRef>
+        </p:style>
+        <p:txBody>
+          <a:bodyPr rtlCol="0" anchor="ctr"/>
+          <a:lstStyle/>
+          <a:p>
+            <a:pPr algn="ctr"/>
+            <a:endParaRPr kumimoji="1" lang="ja-JP" altLang="en-US"/>
+          </a:p>
+        </p:txBody>
+      </p:sp>
+      <p:sp>
+        <p:nvSpPr>
+          <p:cNvPr id="8" name="フローチャート: 組合せ 7">
+            <a:extLst>
+              <a:ext uri="{FF2B5EF4-FFF2-40B4-BE49-F238E27FC236}">
+                <a16:creationId xmlns:a16="http://schemas.microsoft.com/office/drawing/2014/main" id="{142C497A-8AF2-4904-8E82-3A05E2A95F61}"/>
+              </a:ext>
+            </a:extLst>
+          </p:cNvPr>
+          <p:cNvSpPr/>
+          <p:nvPr/>
+        </p:nvSpPr>
+        <p:spPr>
+          <a:xfrm>
+            <a:off x="3894904" y="1289629"/>
+            <a:ext cx="69850" cy="47625"/>
+          </a:xfrm>
+          <a:prstGeom prst="flowChartMerge">
+            <a:avLst/>
+          </a:prstGeom>
+          <a:solidFill>
+            <a:schemeClr val="tx1">
+              <a:lumMod val="65000"/>
+              <a:lumOff val="35000"/>
+            </a:schemeClr>
+          </a:solidFill>
+        </p:spPr>
+        <p:style>
+          <a:lnRef idx="2">
+            <a:schemeClr val="accent1">
+              <a:shade val="50000"/>
+            </a:schemeClr>
+          </a:lnRef>
+          <a:fillRef idx="1">
+            <a:schemeClr val="accent1"/>
+          </a:fillRef>
+          <a:effectRef idx="0">
+            <a:schemeClr val="accent1"/>
+          </a:effectRef>
+          <a:fontRef idx="minor">
+            <a:schemeClr val="lt1"/>
+          </a:fontRef>
+        </p:style>
+        <p:txBody>
+          <a:bodyPr rtlCol="0" anchor="ctr"/>
+          <a:lstStyle/>
+          <a:p>
+            <a:pPr algn="ctr"/>
+            <a:endParaRPr kumimoji="1" lang="ja-JP" altLang="en-US"/>
+          </a:p>
+        </p:txBody>
+      </p:sp>
+      <p:sp>
+        <p:nvSpPr>
+          <p:cNvPr id="10" name="四角形: 角を丸くする 9">
+            <a:extLst>
+              <a:ext uri="{FF2B5EF4-FFF2-40B4-BE49-F238E27FC236}">
+                <a16:creationId xmlns:a16="http://schemas.microsoft.com/office/drawing/2014/main" id="{17755A13-7359-435C-B5D5-E38A7C522F90}"/>
+              </a:ext>
+            </a:extLst>
+          </p:cNvPr>
+          <p:cNvSpPr/>
+          <p:nvPr/>
+        </p:nvSpPr>
+        <p:spPr>
+          <a:xfrm>
+            <a:off x="7408272" y="1196950"/>
+            <a:ext cx="519448" cy="219075"/>
+          </a:xfrm>
+          <a:prstGeom prst="roundRect">
+            <a:avLst/>
+          </a:prstGeom>
+          <a:solidFill>
+            <a:srgbClr val="00B050"/>
+          </a:solidFill>
+        </p:spPr>
+        <p:style>
+          <a:lnRef idx="2">
+            <a:schemeClr val="accent1">
+              <a:shade val="50000"/>
+            </a:schemeClr>
+          </a:lnRef>
+          <a:fillRef idx="1">
+            <a:schemeClr val="accent1"/>
+          </a:fillRef>
+          <a:effectRef idx="0">
+            <a:schemeClr val="accent1"/>
+          </a:effectRef>
+          <a:fontRef idx="minor">
+            <a:schemeClr val="lt1"/>
+          </a:fontRef>
+        </p:style>
+        <p:txBody>
+          <a:bodyPr rtlCol="0" anchor="ctr"/>
+          <a:lstStyle/>
+          <a:p>
+            <a:pPr algn="ctr"/>
+            <a:r>
+              <a:rPr kumimoji="1" lang="ja-JP" altLang="en-US" sz="600" dirty="0"/>
+              <a:t>ハンドメイド</a:t>
+            </a:r>
+          </a:p>
+        </p:txBody>
+      </p:sp>
+      <p:sp>
+        <p:nvSpPr>
+          <p:cNvPr id="33" name="四角形: 角を丸くする 32">
+            <a:extLst>
+              <a:ext uri="{FF2B5EF4-FFF2-40B4-BE49-F238E27FC236}">
+                <a16:creationId xmlns:a16="http://schemas.microsoft.com/office/drawing/2014/main" id="{6CE71E53-FB97-4F34-84BE-D587A76A477E}"/>
+              </a:ext>
+            </a:extLst>
+          </p:cNvPr>
+          <p:cNvSpPr/>
+          <p:nvPr/>
+        </p:nvSpPr>
+        <p:spPr>
+          <a:xfrm>
+            <a:off x="4736498" y="1203902"/>
+            <a:ext cx="606562" cy="219075"/>
+          </a:xfrm>
+          <a:prstGeom prst="roundRect">
+            <a:avLst/>
+          </a:prstGeom>
+          <a:solidFill>
+            <a:srgbClr val="00B050"/>
+          </a:solidFill>
+        </p:spPr>
+        <p:style>
+          <a:lnRef idx="2">
+            <a:schemeClr val="accent1">
+              <a:shade val="50000"/>
+            </a:schemeClr>
+          </a:lnRef>
+          <a:fillRef idx="1">
+            <a:schemeClr val="accent1"/>
+          </a:fillRef>
+          <a:effectRef idx="0">
+            <a:schemeClr val="accent1"/>
+          </a:effectRef>
+          <a:fontRef idx="minor">
+            <a:schemeClr val="lt1"/>
+          </a:fontRef>
+        </p:style>
+        <p:txBody>
+          <a:bodyPr rtlCol="0" anchor="ctr"/>
+          <a:lstStyle/>
+          <a:p>
+            <a:pPr algn="ctr"/>
+            <a:r>
+              <a:rPr kumimoji="1" lang="ja-JP" altLang="en-US" sz="600" dirty="0"/>
+              <a:t>生理用品</a:t>
+            </a:r>
+          </a:p>
+        </p:txBody>
+      </p:sp>
+      <p:sp>
+        <p:nvSpPr>
+          <p:cNvPr id="34" name="四角形: 角を丸くする 33">
+            <a:extLst>
+              <a:ext uri="{FF2B5EF4-FFF2-40B4-BE49-F238E27FC236}">
+                <a16:creationId xmlns:a16="http://schemas.microsoft.com/office/drawing/2014/main" id="{7E36BE44-5A0E-4275-9F3A-7158B99D7FE9}"/>
+              </a:ext>
+            </a:extLst>
+          </p:cNvPr>
+          <p:cNvSpPr/>
+          <p:nvPr/>
+        </p:nvSpPr>
+        <p:spPr>
+          <a:xfrm>
+            <a:off x="5383305" y="1203902"/>
+            <a:ext cx="750289" cy="219075"/>
+          </a:xfrm>
+          <a:prstGeom prst="roundRect">
+            <a:avLst/>
+          </a:prstGeom>
+          <a:solidFill>
+            <a:srgbClr val="00B050"/>
+          </a:solidFill>
+        </p:spPr>
+        <p:style>
+          <a:lnRef idx="2">
+            <a:schemeClr val="accent1">
+              <a:shade val="50000"/>
+            </a:schemeClr>
+          </a:lnRef>
+          <a:fillRef idx="1">
+            <a:schemeClr val="accent1"/>
+          </a:fillRef>
+          <a:effectRef idx="0">
+            <a:schemeClr val="accent1"/>
+          </a:effectRef>
+          <a:fontRef idx="minor">
+            <a:schemeClr val="lt1"/>
+          </a:fontRef>
+        </p:style>
+        <p:txBody>
+          <a:bodyPr rtlCol="0" anchor="ctr"/>
+          <a:lstStyle/>
+          <a:p>
+            <a:pPr algn="ctr"/>
+            <a:r>
+              <a:rPr kumimoji="1" lang="ja-JP" altLang="en-US" sz="500" dirty="0"/>
+              <a:t>本、音楽、ゲーム</a:t>
+            </a:r>
+          </a:p>
+        </p:txBody>
+      </p:sp>
+      <p:sp>
+        <p:nvSpPr>
+          <p:cNvPr id="35" name="四角形: 角を丸くする 34">
+            <a:extLst>
+              <a:ext uri="{FF2B5EF4-FFF2-40B4-BE49-F238E27FC236}">
+                <a16:creationId xmlns:a16="http://schemas.microsoft.com/office/drawing/2014/main" id="{206663DB-937B-4C5D-A5B9-07172CF16CD4}"/>
+              </a:ext>
+            </a:extLst>
+          </p:cNvPr>
+          <p:cNvSpPr/>
+          <p:nvPr/>
+        </p:nvSpPr>
+        <p:spPr>
+          <a:xfrm>
+            <a:off x="6154592" y="1206370"/>
+            <a:ext cx="651952" cy="219075"/>
+          </a:xfrm>
+          <a:prstGeom prst="roundRect">
+            <a:avLst/>
+          </a:prstGeom>
+          <a:solidFill>
+            <a:srgbClr val="00B050"/>
+          </a:solidFill>
+        </p:spPr>
+        <p:style>
+          <a:lnRef idx="2">
+            <a:schemeClr val="accent1">
+              <a:shade val="50000"/>
+            </a:schemeClr>
+          </a:lnRef>
+          <a:fillRef idx="1">
+            <a:schemeClr val="accent1"/>
+          </a:fillRef>
+          <a:effectRef idx="0">
+            <a:schemeClr val="accent1"/>
+          </a:effectRef>
+          <a:fontRef idx="minor">
+            <a:schemeClr val="lt1"/>
+          </a:fontRef>
+        </p:style>
+        <p:txBody>
+          <a:bodyPr rtlCol="0" anchor="ctr"/>
+          <a:lstStyle/>
+          <a:p>
+            <a:pPr algn="ctr"/>
+            <a:r>
+              <a:rPr kumimoji="1" lang="ja-JP" altLang="en-US" sz="600" dirty="0"/>
+              <a:t>サービス、その他</a:t>
+            </a:r>
+          </a:p>
+        </p:txBody>
+      </p:sp>
+      <p:sp>
+        <p:nvSpPr>
+          <p:cNvPr id="36" name="四角形: 角を丸くする 35">
+            <a:extLst>
+              <a:ext uri="{FF2B5EF4-FFF2-40B4-BE49-F238E27FC236}">
+                <a16:creationId xmlns:a16="http://schemas.microsoft.com/office/drawing/2014/main" id="{070AE97E-FEC8-4ED2-9AD4-B609115870FB}"/>
+              </a:ext>
+            </a:extLst>
+          </p:cNvPr>
+          <p:cNvSpPr/>
+          <p:nvPr/>
+        </p:nvSpPr>
+        <p:spPr>
+          <a:xfrm>
+            <a:off x="4041113" y="1203903"/>
+            <a:ext cx="663131" cy="219075"/>
+          </a:xfrm>
+          <a:prstGeom prst="roundRect">
+            <a:avLst/>
+          </a:prstGeom>
+          <a:solidFill>
+            <a:srgbClr val="00B050"/>
+          </a:solidFill>
+        </p:spPr>
+        <p:style>
+          <a:lnRef idx="2">
+            <a:schemeClr val="accent1">
+              <a:shade val="50000"/>
+            </a:schemeClr>
+          </a:lnRef>
+          <a:fillRef idx="1">
+            <a:schemeClr val="accent1"/>
+          </a:fillRef>
+          <a:effectRef idx="0">
+            <a:schemeClr val="accent1"/>
+          </a:effectRef>
+          <a:fontRef idx="minor">
+            <a:schemeClr val="lt1"/>
+          </a:fontRef>
+        </p:style>
+        <p:txBody>
+          <a:bodyPr rtlCol="0" anchor="ctr"/>
+          <a:lstStyle/>
+          <a:p>
+            <a:pPr algn="ctr"/>
+            <a:r>
+              <a:rPr kumimoji="1" lang="ja-JP" altLang="en-US" sz="600" dirty="0"/>
+              <a:t>ファッション</a:t>
+            </a:r>
+          </a:p>
+        </p:txBody>
+      </p:sp>
+      <p:sp>
+        <p:nvSpPr>
+          <p:cNvPr id="37" name="四角形: 角を丸くする 36">
+            <a:extLst>
+              <a:ext uri="{FF2B5EF4-FFF2-40B4-BE49-F238E27FC236}">
+                <a16:creationId xmlns:a16="http://schemas.microsoft.com/office/drawing/2014/main" id="{FB2854AC-8910-4441-BA5A-45399E199A55}"/>
+              </a:ext>
+            </a:extLst>
+          </p:cNvPr>
+          <p:cNvSpPr/>
+          <p:nvPr/>
+        </p:nvSpPr>
+        <p:spPr>
+          <a:xfrm>
+            <a:off x="6847684" y="1196950"/>
+            <a:ext cx="519448" cy="219075"/>
+          </a:xfrm>
+          <a:prstGeom prst="roundRect">
+            <a:avLst/>
+          </a:prstGeom>
+          <a:solidFill>
+            <a:srgbClr val="00B050"/>
+          </a:solidFill>
+        </p:spPr>
+        <p:style>
+          <a:lnRef idx="2">
+            <a:schemeClr val="accent1">
+              <a:shade val="50000"/>
+            </a:schemeClr>
+          </a:lnRef>
+          <a:fillRef idx="1">
+            <a:schemeClr val="accent1"/>
+          </a:fillRef>
+          <a:effectRef idx="0">
+            <a:schemeClr val="accent1"/>
+          </a:effectRef>
+          <a:fontRef idx="minor">
+            <a:schemeClr val="lt1"/>
+          </a:fontRef>
+        </p:style>
+        <p:txBody>
+          <a:bodyPr rtlCol="0" anchor="ctr"/>
+          <a:lstStyle/>
+          <a:p>
+            <a:pPr algn="ctr"/>
+            <a:r>
+              <a:rPr kumimoji="1" lang="ja-JP" altLang="en-US" sz="600" dirty="0"/>
+              <a:t>ホビー</a:t>
+            </a:r>
+          </a:p>
+        </p:txBody>
+      </p:sp>
+      <p:pic>
+        <p:nvPicPr>
+          <p:cNvPr id="12" name="図 11">
+            <a:extLst>
+              <a:ext uri="{FF2B5EF4-FFF2-40B4-BE49-F238E27FC236}">
+                <a16:creationId xmlns:a16="http://schemas.microsoft.com/office/drawing/2014/main" id="{9AABE499-E614-415C-BCA8-28D9E288709E}"/>
+              </a:ext>
+            </a:extLst>
+          </p:cNvPr>
+          <p:cNvPicPr>
+            <a:picLocks noChangeAspect="1"/>
+          </p:cNvPicPr>
+          <p:nvPr/>
+        </p:nvPicPr>
+        <p:blipFill>
+          <a:blip r:embed="rId3">
+            <a:extLst>
+              <a:ext uri="{28A0092B-C50C-407E-A947-70E740481C1C}">
+                <a14:useLocalDpi xmlns:a14="http://schemas.microsoft.com/office/drawing/2010/main" val="0"/>
+              </a:ext>
+              <a:ext uri="{837473B0-CC2E-450A-ABE3-18F120FF3D39}">
+                <a1611:picAttrSrcUrl xmlns:a1611="http://schemas.microsoft.com/office/drawing/2016/11/main" r:id="rId4"/>
+              </a:ext>
+            </a:extLst>
+          </a:blip>
+          <a:stretch>
+            <a:fillRect/>
+          </a:stretch>
+        </p:blipFill>
+        <p:spPr>
+          <a:xfrm>
+            <a:off x="3270273" y="2540887"/>
+            <a:ext cx="1230607" cy="1125795"/>
+          </a:xfrm>
+          <a:prstGeom prst="rect">
+            <a:avLst/>
+          </a:prstGeom>
+        </p:spPr>
+      </p:pic>
+      <p:sp>
+        <p:nvSpPr>
+          <p:cNvPr id="41" name="正方形/長方形 40">
+            <a:extLst>
+              <a:ext uri="{FF2B5EF4-FFF2-40B4-BE49-F238E27FC236}">
+                <a16:creationId xmlns:a16="http://schemas.microsoft.com/office/drawing/2014/main" id="{452F5DF5-7EB7-4EF7-830C-D546E7F262B4}"/>
+              </a:ext>
+            </a:extLst>
+          </p:cNvPr>
+          <p:cNvSpPr/>
+          <p:nvPr/>
+        </p:nvSpPr>
+        <p:spPr>
+          <a:xfrm>
+            <a:off x="6390640" y="2999306"/>
+            <a:ext cx="1467362" cy="276447"/>
+          </a:xfrm>
+          <a:prstGeom prst="rect">
+            <a:avLst/>
+          </a:prstGeom>
+          <a:solidFill>
+            <a:schemeClr val="accent6">
+              <a:lumMod val="40000"/>
+              <a:lumOff val="60000"/>
+            </a:schemeClr>
+          </a:solidFill>
+          <a:ln>
+            <a:solidFill>
+              <a:schemeClr val="bg2"/>
+            </a:solidFill>
+          </a:ln>
+        </p:spPr>
+        <p:style>
+          <a:lnRef idx="2">
+            <a:schemeClr val="accent1">
+              <a:shade val="50000"/>
+            </a:schemeClr>
+          </a:lnRef>
+          <a:fillRef idx="1">
+            <a:schemeClr val="accent1"/>
+          </a:fillRef>
+          <a:effectRef idx="0">
+            <a:schemeClr val="accent1"/>
+          </a:effectRef>
+          <a:fontRef idx="minor">
+            <a:schemeClr val="lt1"/>
+          </a:fontRef>
+        </p:style>
+        <p:txBody>
+          <a:bodyPr rtlCol="0" anchor="ctr"/>
+          <a:lstStyle/>
+          <a:p>
+            <a:r>
+              <a:rPr kumimoji="1" lang="ja-JP" altLang="en-US" sz="600" dirty="0">
+                <a:ln>
+                  <a:solidFill>
+                    <a:schemeClr val="tx1"/>
+                  </a:solidFill>
+                </a:ln>
+                <a:solidFill>
+                  <a:schemeClr val="accent1"/>
+                </a:solidFill>
+              </a:rPr>
+              <a:t>カテゴリー：　</a:t>
+            </a:r>
+            <a:r>
+              <a:rPr kumimoji="1" lang="ja-JP" altLang="en-US" sz="600" dirty="0">
+                <a:ln>
+                  <a:solidFill>
+                    <a:schemeClr val="accent1"/>
+                  </a:solidFill>
+                </a:ln>
+                <a:solidFill>
+                  <a:schemeClr val="accent1"/>
+                </a:solidFill>
+              </a:rPr>
+              <a:t>ホビー</a:t>
+            </a:r>
+          </a:p>
+        </p:txBody>
+      </p:sp>
+      <p:pic>
+        <p:nvPicPr>
+          <p:cNvPr id="43" name="図 42">
+            <a:extLst>
+              <a:ext uri="{FF2B5EF4-FFF2-40B4-BE49-F238E27FC236}">
+                <a16:creationId xmlns:a16="http://schemas.microsoft.com/office/drawing/2014/main" id="{B5E9F4FC-2E98-4E3E-A40A-81B462A39405}"/>
+              </a:ext>
+            </a:extLst>
+          </p:cNvPr>
+          <p:cNvPicPr>
+            <a:picLocks noChangeAspect="1"/>
+          </p:cNvPicPr>
+          <p:nvPr/>
+        </p:nvPicPr>
+        <p:blipFill>
+          <a:blip r:embed="rId3">
+            <a:extLst>
+              <a:ext uri="{28A0092B-C50C-407E-A947-70E740481C1C}">
+                <a14:useLocalDpi xmlns:a14="http://schemas.microsoft.com/office/drawing/2010/main" val="0"/>
+              </a:ext>
+              <a:ext uri="{837473B0-CC2E-450A-ABE3-18F120FF3D39}">
+                <a1611:picAttrSrcUrl xmlns:a1611="http://schemas.microsoft.com/office/drawing/2016/11/main" r:id="rId4"/>
+              </a:ext>
+            </a:extLst>
+          </a:blip>
+          <a:stretch>
+            <a:fillRect/>
+          </a:stretch>
+        </p:blipFill>
+        <p:spPr>
+          <a:xfrm>
+            <a:off x="4570754" y="2540886"/>
+            <a:ext cx="1230607" cy="1125795"/>
+          </a:xfrm>
+          <a:prstGeom prst="rect">
+            <a:avLst/>
+          </a:prstGeom>
+        </p:spPr>
+      </p:pic>
+      <p:pic>
+        <p:nvPicPr>
+          <p:cNvPr id="44" name="図 43">
+            <a:extLst>
+              <a:ext uri="{FF2B5EF4-FFF2-40B4-BE49-F238E27FC236}">
+                <a16:creationId xmlns:a16="http://schemas.microsoft.com/office/drawing/2014/main" id="{FE52BC98-272E-4341-B364-B9B01E4D6064}"/>
+              </a:ext>
+            </a:extLst>
+          </p:cNvPr>
+          <p:cNvPicPr>
+            <a:picLocks noChangeAspect="1"/>
+          </p:cNvPicPr>
+          <p:nvPr/>
+        </p:nvPicPr>
+        <p:blipFill>
+          <a:blip r:embed="rId3">
+            <a:extLst>
+              <a:ext uri="{28A0092B-C50C-407E-A947-70E740481C1C}">
+                <a14:useLocalDpi xmlns:a14="http://schemas.microsoft.com/office/drawing/2010/main" val="0"/>
+              </a:ext>
+              <a:ext uri="{837473B0-CC2E-450A-ABE3-18F120FF3D39}">
+                <a1611:picAttrSrcUrl xmlns:a1611="http://schemas.microsoft.com/office/drawing/2016/11/main" r:id="rId4"/>
+              </a:ext>
+            </a:extLst>
+          </a:blip>
+          <a:stretch>
+            <a:fillRect/>
+          </a:stretch>
+        </p:blipFill>
+        <p:spPr>
+          <a:xfrm>
+            <a:off x="3270272" y="3771194"/>
+            <a:ext cx="1230607" cy="1125795"/>
+          </a:xfrm>
+          <a:prstGeom prst="rect">
+            <a:avLst/>
+          </a:prstGeom>
+        </p:spPr>
+      </p:pic>
+      <p:pic>
+        <p:nvPicPr>
+          <p:cNvPr id="45" name="図 44">
+            <a:extLst>
+              <a:ext uri="{FF2B5EF4-FFF2-40B4-BE49-F238E27FC236}">
+                <a16:creationId xmlns:a16="http://schemas.microsoft.com/office/drawing/2014/main" id="{A7868157-5027-432B-8031-45A4F3741048}"/>
+              </a:ext>
+            </a:extLst>
+          </p:cNvPr>
+          <p:cNvPicPr>
+            <a:picLocks noChangeAspect="1"/>
+          </p:cNvPicPr>
+          <p:nvPr/>
+        </p:nvPicPr>
+        <p:blipFill>
+          <a:blip r:embed="rId3">
+            <a:extLst>
+              <a:ext uri="{28A0092B-C50C-407E-A947-70E740481C1C}">
+                <a14:useLocalDpi xmlns:a14="http://schemas.microsoft.com/office/drawing/2010/main" val="0"/>
+              </a:ext>
+              <a:ext uri="{837473B0-CC2E-450A-ABE3-18F120FF3D39}">
+                <a1611:picAttrSrcUrl xmlns:a1611="http://schemas.microsoft.com/office/drawing/2016/11/main" r:id="rId4"/>
+              </a:ext>
+            </a:extLst>
+          </a:blip>
+          <a:stretch>
+            <a:fillRect/>
+          </a:stretch>
+        </p:blipFill>
+        <p:spPr>
+          <a:xfrm>
+            <a:off x="4570754" y="3751225"/>
+            <a:ext cx="1230607" cy="1125795"/>
+          </a:xfrm>
+          <a:prstGeom prst="rect">
+            <a:avLst/>
+          </a:prstGeom>
+        </p:spPr>
+      </p:pic>
+      <p:sp>
+        <p:nvSpPr>
+          <p:cNvPr id="46" name="正方形/長方形 45">
+            <a:extLst>
+              <a:ext uri="{FF2B5EF4-FFF2-40B4-BE49-F238E27FC236}">
+                <a16:creationId xmlns:a16="http://schemas.microsoft.com/office/drawing/2014/main" id="{0D04E65C-3D6B-4345-BAF6-545A5647856B}"/>
+              </a:ext>
+            </a:extLst>
+          </p:cNvPr>
+          <p:cNvSpPr/>
+          <p:nvPr/>
+        </p:nvSpPr>
+        <p:spPr>
+          <a:xfrm>
+            <a:off x="3369645" y="5031109"/>
+            <a:ext cx="4558075" cy="1151251"/>
+          </a:xfrm>
+          <a:prstGeom prst="rect">
+            <a:avLst/>
+          </a:prstGeom>
+          <a:solidFill>
+            <a:schemeClr val="bg1"/>
+          </a:solidFill>
+          <a:ln>
+            <a:noFill/>
+          </a:ln>
+        </p:spPr>
+        <p:style>
+          <a:lnRef idx="2">
+            <a:schemeClr val="accent1">
+              <a:shade val="50000"/>
+            </a:schemeClr>
+          </a:lnRef>
+          <a:fillRef idx="1">
+            <a:schemeClr val="accent1"/>
+          </a:fillRef>
+          <a:effectRef idx="0">
+            <a:schemeClr val="accent1"/>
+          </a:effectRef>
+          <a:fontRef idx="minor">
+            <a:schemeClr val="lt1"/>
+          </a:fontRef>
+        </p:style>
+        <p:txBody>
+          <a:bodyPr rtlCol="0" anchor="ctr"/>
+          <a:lstStyle/>
+          <a:p>
+            <a:pPr lvl="1"/>
+            <a:r>
+              <a:rPr lang="ja-JP" altLang="en-US" sz="800" dirty="0">
                 <a:solidFill>
                   <a:schemeClr val="tx1"/>
                 </a:solidFill>
               </a:rPr>
-              <a:t>footer</a:t>
-            </a:r>
-            <a:endParaRPr kumimoji="1" lang="ja-JP" altLang="en-US" dirty="0">
+              <a:t>汚れあります。</a:t>
+            </a:r>
+            <a:br>
+              <a:rPr lang="ja-JP" altLang="en-US" sz="800" dirty="0">
+                <a:solidFill>
+                  <a:schemeClr val="tx1"/>
+                </a:solidFill>
+              </a:rPr>
+            </a:br>
+            <a:r>
+              <a:rPr lang="ja-JP" altLang="en-US" sz="800" dirty="0">
+                <a:solidFill>
+                  <a:schemeClr val="tx1"/>
+                </a:solidFill>
+              </a:rPr>
+              <a:t>素材不明ですが、軽いです。</a:t>
+            </a:r>
+            <a:br>
+              <a:rPr lang="ja-JP" altLang="en-US" sz="800" dirty="0">
+                <a:solidFill>
+                  <a:schemeClr val="tx1"/>
+                </a:solidFill>
+              </a:rPr>
+            </a:br>
+            <a:r>
+              <a:rPr lang="ja-JP" altLang="en-US" sz="800" dirty="0">
+                <a:solidFill>
+                  <a:schemeClr val="tx1"/>
+                </a:solidFill>
+              </a:rPr>
+              <a:t>箱がないので緩衝材に包んでのお渡しになります。</a:t>
+            </a:r>
+            <a:br>
+              <a:rPr lang="ja-JP" altLang="en-US" sz="800" dirty="0">
+                <a:solidFill>
+                  <a:schemeClr val="tx1"/>
+                </a:solidFill>
+              </a:rPr>
+            </a:br>
+            <a:r>
+              <a:rPr lang="ja-JP" altLang="en-US" sz="800" dirty="0">
+                <a:solidFill>
+                  <a:schemeClr val="tx1"/>
+                </a:solidFill>
+              </a:rPr>
+              <a:t>高さ </a:t>
+            </a:r>
+            <a:r>
+              <a:rPr lang="en-US" altLang="ja-JP" sz="800" dirty="0">
+                <a:solidFill>
+                  <a:schemeClr val="tx1"/>
+                </a:solidFill>
+              </a:rPr>
+              <a:t>22cm</a:t>
+            </a:r>
+            <a:br>
+              <a:rPr lang="ja-JP" altLang="en-US" sz="800" dirty="0">
+                <a:solidFill>
+                  <a:schemeClr val="tx1"/>
+                </a:solidFill>
+              </a:rPr>
+            </a:br>
+            <a:r>
+              <a:rPr lang="ja-JP" altLang="en-US" sz="800" dirty="0">
+                <a:solidFill>
+                  <a:schemeClr val="tx1"/>
+                </a:solidFill>
+              </a:rPr>
+              <a:t>直径 </a:t>
+            </a:r>
+            <a:r>
+              <a:rPr lang="en-US" altLang="ja-JP" sz="800" dirty="0">
+                <a:solidFill>
+                  <a:schemeClr val="tx1"/>
+                </a:solidFill>
+              </a:rPr>
+              <a:t>6cm</a:t>
+            </a:r>
+            <a:br>
+              <a:rPr lang="ja-JP" altLang="en-US" sz="800" dirty="0">
+                <a:solidFill>
+                  <a:schemeClr val="tx1"/>
+                </a:solidFill>
+              </a:rPr>
+            </a:br>
+            <a:br>
+              <a:rPr lang="ja-JP" altLang="en-US" sz="800" dirty="0">
+                <a:solidFill>
+                  <a:schemeClr val="tx1"/>
+                </a:solidFill>
+              </a:rPr>
+            </a:br>
+            <a:r>
+              <a:rPr lang="ja-JP" altLang="en-US" sz="800" dirty="0">
+                <a:solidFill>
+                  <a:schemeClr val="tx1"/>
+                </a:solidFill>
+              </a:rPr>
+              <a:t>取りに来て下さる方にお願いしたいです。</a:t>
+            </a:r>
+            <a:br>
+              <a:rPr lang="ja-JP" altLang="en-US" sz="800" dirty="0">
+                <a:solidFill>
+                  <a:schemeClr val="tx1"/>
+                </a:solidFill>
+              </a:rPr>
+            </a:br>
+            <a:r>
+              <a:rPr lang="ja-JP" altLang="en-US" sz="800" dirty="0">
+                <a:solidFill>
+                  <a:schemeClr val="tx1"/>
+                </a:solidFill>
+              </a:rPr>
+              <a:t>ご都合のよい日時を教えて下さい。</a:t>
+            </a:r>
+            <a:br>
+              <a:rPr lang="ja-JP" altLang="en-US" sz="800" dirty="0">
+                <a:solidFill>
+                  <a:schemeClr val="tx1"/>
+                </a:solidFill>
+              </a:rPr>
+            </a:br>
+            <a:r>
+              <a:rPr lang="ja-JP" altLang="en-US" sz="800" dirty="0">
+                <a:solidFill>
+                  <a:schemeClr val="tx1"/>
+                </a:solidFill>
+              </a:rPr>
+              <a:t>出来るだけ合わせたいと思います。</a:t>
+            </a:r>
+            <a:endParaRPr kumimoji="1" lang="ja-JP" altLang="en-US" sz="800" dirty="0">
               <a:solidFill>
                 <a:schemeClr val="tx1"/>
               </a:solidFill>
@@ -4954,4 +6296,299 @@
     </a:ext>
   </a:extLst>
 </a:theme>
+</file>
+
+<file path=ppt/theme/theme2.xml><?xml version="1.0" encoding="utf-8"?>
+<a:theme xmlns:a="http://schemas.openxmlformats.org/drawingml/2006/main" name="Office テーマ">
+  <a:themeElements>
+    <a:clrScheme name="Office">
+      <a:dk1>
+        <a:sysClr val="windowText" lastClr="000000"/>
+      </a:dk1>
+      <a:lt1>
+        <a:sysClr val="window" lastClr="FFFFFF"/>
+      </a:lt1>
+      <a:dk2>
+        <a:srgbClr val="44546A"/>
+      </a:dk2>
+      <a:lt2>
+        <a:srgbClr val="E7E6E6"/>
+      </a:lt2>
+      <a:accent1>
+        <a:srgbClr val="4472C4"/>
+      </a:accent1>
+      <a:accent2>
+        <a:srgbClr val="ED7D31"/>
+      </a:accent2>
+      <a:accent3>
+        <a:srgbClr val="A5A5A5"/>
+      </a:accent3>
+      <a:accent4>
+        <a:srgbClr val="FFC000"/>
+      </a:accent4>
+      <a:accent5>
+        <a:srgbClr val="5B9BD5"/>
+      </a:accent5>
+      <a:accent6>
+        <a:srgbClr val="70AD47"/>
+      </a:accent6>
+      <a:hlink>
+        <a:srgbClr val="0563C1"/>
+      </a:hlink>
+      <a:folHlink>
+        <a:srgbClr val="954F72"/>
+      </a:folHlink>
+    </a:clrScheme>
+    <a:fontScheme name="Office">
+      <a:majorFont>
+        <a:latin typeface="游ゴシック Light" panose="020F0302020204030204"/>
+        <a:ea typeface=""/>
+        <a:cs typeface=""/>
+        <a:font script="Jpan" typeface="游ゴシック Light"/>
+        <a:font script="Hang" typeface="맑은 고딕"/>
+        <a:font script="Hans" typeface="等线 Light"/>
+        <a:font script="Hant" typeface="新細明體"/>
+        <a:font script="Arab" typeface="Times New Roman"/>
+        <a:font script="Hebr" typeface="Times New Roman"/>
+        <a:font script="Thai" typeface="Angsana New"/>
+        <a:font script="Ethi" typeface="Nyala"/>
+        <a:font script="Beng" typeface="Vrinda"/>
+        <a:font script="Gujr" typeface="Shruti"/>
+        <a:font script="Khmr" typeface="MoolBoran"/>
+        <a:font script="Knda" typeface="Tunga"/>
+        <a:font script="Guru" typeface="Raavi"/>
+        <a:font script="Cans" typeface="Euphemia"/>
+        <a:font script="Cher" typeface="Plantagenet Cherokee"/>
+        <a:font script="Yiii" typeface="Microsoft Yi Baiti"/>
+        <a:font script="Tibt" typeface="Microsoft Himalaya"/>
+        <a:font script="Thaa" typeface="MV Boli"/>
+        <a:font script="Deva" typeface="Mangal"/>
+        <a:font script="Telu" typeface="Gautami"/>
+        <a:font script="Taml" typeface="Latha"/>
+        <a:font script="Syrc" typeface="Estrangelo Edessa"/>
+        <a:font script="Orya" typeface="Kalinga"/>
+        <a:font script="Mlym" typeface="Kartika"/>
+        <a:font script="Laoo" typeface="DokChampa"/>
+        <a:font script="Sinh" typeface="Iskoola Pota"/>
+        <a:font script="Mong" typeface="Mongolian Baiti"/>
+        <a:font script="Viet" typeface="Times New Roman"/>
+        <a:font script="Uigh" typeface="Microsoft Uighur"/>
+        <a:font script="Geor" typeface="Sylfaen"/>
+        <a:font script="Armn" typeface="Arial"/>
+        <a:font script="Bugi" typeface="Leelawadee UI"/>
+        <a:font script="Bopo" typeface="Microsoft JhengHei"/>
+        <a:font script="Java" typeface="Javanese Text"/>
+        <a:font script="Lisu" typeface="Segoe UI"/>
+        <a:font script="Mymr" typeface="Myanmar Text"/>
+        <a:font script="Nkoo" typeface="Ebrima"/>
+        <a:font script="Olck" typeface="Nirmala UI"/>
+        <a:font script="Osma" typeface="Ebrima"/>
+        <a:font script="Phag" typeface="Phagspa"/>
+        <a:font script="Syrn" typeface="Estrangelo Edessa"/>
+        <a:font script="Syrj" typeface="Estrangelo Edessa"/>
+        <a:font script="Syre" typeface="Estrangelo Edessa"/>
+        <a:font script="Sora" typeface="Nirmala UI"/>
+        <a:font script="Tale" typeface="Microsoft Tai Le"/>
+        <a:font script="Talu" typeface="Microsoft New Tai Lue"/>
+        <a:font script="Tfng" typeface="Ebrima"/>
+      </a:majorFont>
+      <a:minorFont>
+        <a:latin typeface="游ゴシック" panose="020F0502020204030204"/>
+        <a:ea typeface=""/>
+        <a:cs typeface=""/>
+        <a:font script="Jpan" typeface="游ゴシック"/>
+        <a:font script="Hang" typeface="맑은 고딕"/>
+        <a:font script="Hans" typeface="等线"/>
+        <a:font script="Hant" typeface="新細明體"/>
+        <a:font script="Arab" typeface="Arial"/>
+        <a:font script="Hebr" typeface="Arial"/>
+        <a:font script="Thai" typeface="Cordia New"/>
+        <a:font script="Ethi" typeface="Nyala"/>
+        <a:font script="Beng" typeface="Vrinda"/>
+        <a:font script="Gujr" typeface="Shruti"/>
+        <a:font script="Khmr" typeface="DaunPenh"/>
+        <a:font script="Knda" typeface="Tunga"/>
+        <a:font script="Guru" typeface="Raavi"/>
+        <a:font script="Cans" typeface="Euphemia"/>
+        <a:font script="Cher" typeface="Plantagenet Cherokee"/>
+        <a:font script="Yiii" typeface="Microsoft Yi Baiti"/>
+        <a:font script="Tibt" typeface="Microsoft Himalaya"/>
+        <a:font script="Thaa" typeface="MV Boli"/>
+        <a:font script="Deva" typeface="Mangal"/>
+        <a:font script="Telu" typeface="Gautami"/>
+        <a:font script="Taml" typeface="Latha"/>
+        <a:font script="Syrc" typeface="Estrangelo Edessa"/>
+        <a:font script="Orya" typeface="Kalinga"/>
+        <a:font script="Mlym" typeface="Kartika"/>
+        <a:font script="Laoo" typeface="DokChampa"/>
+        <a:font script="Sinh" typeface="Iskoola Pota"/>
+        <a:font script="Mong" typeface="Mongolian Baiti"/>
+        <a:font script="Viet" typeface="Arial"/>
+        <a:font script="Uigh" typeface="Microsoft Uighur"/>
+        <a:font script="Geor" typeface="Sylfaen"/>
+        <a:font script="Armn" typeface="Arial"/>
+        <a:font script="Bugi" typeface="Leelawadee UI"/>
+        <a:font script="Bopo" typeface="Microsoft JhengHei"/>
+        <a:font script="Java" typeface="Javanese Text"/>
+        <a:font script="Lisu" typeface="Segoe UI"/>
+        <a:font script="Mymr" typeface="Myanmar Text"/>
+        <a:font script="Nkoo" typeface="Ebrima"/>
+        <a:font script="Olck" typeface="Nirmala UI"/>
+        <a:font script="Osma" typeface="Ebrima"/>
+        <a:font script="Phag" typeface="Phagspa"/>
+        <a:font script="Syrn" typeface="Estrangelo Edessa"/>
+        <a:font script="Syrj" typeface="Estrangelo Edessa"/>
+        <a:font script="Syre" typeface="Estrangelo Edessa"/>
+        <a:font script="Sora" typeface="Nirmala UI"/>
+        <a:font script="Tale" typeface="Microsoft Tai Le"/>
+        <a:font script="Talu" typeface="Microsoft New Tai Lue"/>
+        <a:font script="Tfng" typeface="Ebrima"/>
+      </a:minorFont>
+    </a:fontScheme>
+    <a:fmtScheme name="Office">
+      <a:fillStyleLst>
+        <a:solidFill>
+          <a:schemeClr val="phClr"/>
+        </a:solidFill>
+        <a:gradFill rotWithShape="1">
+          <a:gsLst>
+            <a:gs pos="0">
+              <a:schemeClr val="phClr">
+                <a:lumMod val="110000"/>
+                <a:satMod val="105000"/>
+                <a:tint val="67000"/>
+              </a:schemeClr>
+            </a:gs>
+            <a:gs pos="50000">
+              <a:schemeClr val="phClr">
+                <a:lumMod val="105000"/>
+                <a:satMod val="103000"/>
+                <a:tint val="73000"/>
+              </a:schemeClr>
+            </a:gs>
+            <a:gs pos="100000">
+              <a:schemeClr val="phClr">
+                <a:lumMod val="105000"/>
+                <a:satMod val="109000"/>
+                <a:tint val="81000"/>
+              </a:schemeClr>
+            </a:gs>
+          </a:gsLst>
+          <a:lin ang="5400000" scaled="0"/>
+        </a:gradFill>
+        <a:gradFill rotWithShape="1">
+          <a:gsLst>
+            <a:gs pos="0">
+              <a:schemeClr val="phClr">
+                <a:satMod val="103000"/>
+                <a:lumMod val="102000"/>
+                <a:tint val="94000"/>
+              </a:schemeClr>
+            </a:gs>
+            <a:gs pos="50000">
+              <a:schemeClr val="phClr">
+                <a:satMod val="110000"/>
+                <a:lumMod val="100000"/>
+                <a:shade val="100000"/>
+              </a:schemeClr>
+            </a:gs>
+            <a:gs pos="100000">
+              <a:schemeClr val="phClr">
+                <a:lumMod val="99000"/>
+                <a:satMod val="120000"/>
+                <a:shade val="78000"/>
+              </a:schemeClr>
+            </a:gs>
+          </a:gsLst>
+          <a:lin ang="5400000" scaled="0"/>
+        </a:gradFill>
+      </a:fillStyleLst>
+      <a:lnStyleLst>
+        <a:ln w="6350" cap="flat" cmpd="sng" algn="ctr">
+          <a:solidFill>
+            <a:schemeClr val="phClr"/>
+          </a:solidFill>
+          <a:prstDash val="solid"/>
+          <a:miter lim="800000"/>
+        </a:ln>
+        <a:ln w="12700" cap="flat" cmpd="sng" algn="ctr">
+          <a:solidFill>
+            <a:schemeClr val="phClr"/>
+          </a:solidFill>
+          <a:prstDash val="solid"/>
+          <a:miter lim="800000"/>
+        </a:ln>
+        <a:ln w="19050" cap="flat" cmpd="sng" algn="ctr">
+          <a:solidFill>
+            <a:schemeClr val="phClr"/>
+          </a:solidFill>
+          <a:prstDash val="solid"/>
+          <a:miter lim="800000"/>
+        </a:ln>
+      </a:lnStyleLst>
+      <a:effectStyleLst>
+        <a:effectStyle>
+          <a:effectLst/>
+        </a:effectStyle>
+        <a:effectStyle>
+          <a:effectLst/>
+        </a:effectStyle>
+        <a:effectStyle>
+          <a:effectLst>
+            <a:outerShdw blurRad="57150" dist="19050" dir="5400000" algn="ctr" rotWithShape="0">
+              <a:srgbClr val="000000">
+                <a:alpha val="63000"/>
+              </a:srgbClr>
+            </a:outerShdw>
+          </a:effectLst>
+        </a:effectStyle>
+      </a:effectStyleLst>
+      <a:bgFillStyleLst>
+        <a:solidFill>
+          <a:schemeClr val="phClr"/>
+        </a:solidFill>
+        <a:solidFill>
+          <a:schemeClr val="phClr">
+            <a:tint val="95000"/>
+            <a:satMod val="170000"/>
+          </a:schemeClr>
+        </a:solidFill>
+        <a:gradFill rotWithShape="1">
+          <a:gsLst>
+            <a:gs pos="0">
+              <a:schemeClr val="phClr">
+                <a:tint val="93000"/>
+                <a:satMod val="150000"/>
+                <a:shade val="98000"/>
+                <a:lumMod val="102000"/>
+              </a:schemeClr>
+            </a:gs>
+            <a:gs pos="50000">
+              <a:schemeClr val="phClr">
+                <a:tint val="98000"/>
+                <a:satMod val="130000"/>
+                <a:shade val="90000"/>
+                <a:lumMod val="103000"/>
+              </a:schemeClr>
+            </a:gs>
+            <a:gs pos="100000">
+              <a:schemeClr val="phClr">
+                <a:shade val="63000"/>
+                <a:satMod val="120000"/>
+              </a:schemeClr>
+            </a:gs>
+          </a:gsLst>
+          <a:lin ang="5400000" scaled="0"/>
+        </a:gradFill>
+      </a:bgFillStyleLst>
+    </a:fmtScheme>
+  </a:themeElements>
+  <a:objectDefaults/>
+  <a:extraClrSchemeLst/>
+  <a:extLst>
+    <a:ext uri="{05A4C25C-085E-4340-85A3-A5531E510DB2}">
+      <thm15:themeFamily xmlns:thm15="http://schemas.microsoft.com/office/thememl/2012/main" name="Office Theme" id="{62F939B6-93AF-4DB8-9C6B-D6C7DFDC589F}" vid="{4A3C46E8-61CC-4603-A589-7422A47A8E4A}"/>
+    </a:ext>
+  </a:extLst>
+</a:theme>
 </file>